--- a/ppBaoCao_2.pptx
+++ b/ppBaoCao_2.pptx
@@ -13,8 +13,8 @@
     <p:sldId id="260" r:id="rId7"/>
     <p:sldId id="261" r:id="rId8"/>
     <p:sldId id="262" r:id="rId9"/>
-    <p:sldId id="263" r:id="rId10"/>
-    <p:sldId id="264" r:id="rId11"/>
+    <p:sldId id="264" r:id="rId10"/>
+    <p:sldId id="263" r:id="rId11"/>
     <p:sldId id="265" r:id="rId12"/>
     <p:sldId id="268" r:id="rId13"/>
     <p:sldId id="266" r:id="rId14"/>
@@ -119,6 +119,11 @@
       </a:defRPr>
     </a:lvl9pPr>
   </p:defaultTextStyle>
+  <p:extLst>
+    <p:ext uri="{EFAFB233-063F-42B5-8137-9DF3F51BA10A}">
+      <p15:sldGuideLst xmlns:p15="http://schemas.microsoft.com/office/powerpoint/2012/main"/>
+    </p:ext>
+  </p:extLst>
 </p:presentation>
 </file>
 
@@ -2983,7 +2988,7 @@
           <a:p>
             <a:fld id="{21020BBD-C793-4DB9-B521-A5D068978F44}" type="datetimeFigureOut">
               <a:rPr lang="vi-VN" smtClean="0"/>
-              <a:t>03/01/2022</a:t>
+              <a:t>16/01/2022</a:t>
             </a:fld>
             <a:endParaRPr lang="vi-VN"/>
           </a:p>
@@ -3183,7 +3188,7 @@
           <a:p>
             <a:fld id="{21020BBD-C793-4DB9-B521-A5D068978F44}" type="datetimeFigureOut">
               <a:rPr lang="vi-VN" smtClean="0"/>
-              <a:t>03/01/2022</a:t>
+              <a:t>16/01/2022</a:t>
             </a:fld>
             <a:endParaRPr lang="vi-VN"/>
           </a:p>
@@ -3393,7 +3398,7 @@
           <a:p>
             <a:fld id="{21020BBD-C793-4DB9-B521-A5D068978F44}" type="datetimeFigureOut">
               <a:rPr lang="vi-VN" smtClean="0"/>
-              <a:t>03/01/2022</a:t>
+              <a:t>16/01/2022</a:t>
             </a:fld>
             <a:endParaRPr lang="vi-VN"/>
           </a:p>
@@ -3593,7 +3598,7 @@
           <a:p>
             <a:fld id="{21020BBD-C793-4DB9-B521-A5D068978F44}" type="datetimeFigureOut">
               <a:rPr lang="vi-VN" smtClean="0"/>
-              <a:t>03/01/2022</a:t>
+              <a:t>16/01/2022</a:t>
             </a:fld>
             <a:endParaRPr lang="vi-VN"/>
           </a:p>
@@ -3869,7 +3874,7 @@
           <a:p>
             <a:fld id="{21020BBD-C793-4DB9-B521-A5D068978F44}" type="datetimeFigureOut">
               <a:rPr lang="vi-VN" smtClean="0"/>
-              <a:t>03/01/2022</a:t>
+              <a:t>16/01/2022</a:t>
             </a:fld>
             <a:endParaRPr lang="vi-VN"/>
           </a:p>
@@ -4137,7 +4142,7 @@
           <a:p>
             <a:fld id="{21020BBD-C793-4DB9-B521-A5D068978F44}" type="datetimeFigureOut">
               <a:rPr lang="vi-VN" smtClean="0"/>
-              <a:t>03/01/2022</a:t>
+              <a:t>16/01/2022</a:t>
             </a:fld>
             <a:endParaRPr lang="vi-VN"/>
           </a:p>
@@ -4552,7 +4557,7 @@
           <a:p>
             <a:fld id="{21020BBD-C793-4DB9-B521-A5D068978F44}" type="datetimeFigureOut">
               <a:rPr lang="vi-VN" smtClean="0"/>
-              <a:t>03/01/2022</a:t>
+              <a:t>16/01/2022</a:t>
             </a:fld>
             <a:endParaRPr lang="vi-VN"/>
           </a:p>
@@ -4694,7 +4699,7 @@
           <a:p>
             <a:fld id="{21020BBD-C793-4DB9-B521-A5D068978F44}" type="datetimeFigureOut">
               <a:rPr lang="vi-VN" smtClean="0"/>
-              <a:t>03/01/2022</a:t>
+              <a:t>16/01/2022</a:t>
             </a:fld>
             <a:endParaRPr lang="vi-VN"/>
           </a:p>
@@ -4807,7 +4812,7 @@
           <a:p>
             <a:fld id="{21020BBD-C793-4DB9-B521-A5D068978F44}" type="datetimeFigureOut">
               <a:rPr lang="vi-VN" smtClean="0"/>
-              <a:t>03/01/2022</a:t>
+              <a:t>16/01/2022</a:t>
             </a:fld>
             <a:endParaRPr lang="vi-VN"/>
           </a:p>
@@ -5120,7 +5125,7 @@
           <a:p>
             <a:fld id="{21020BBD-C793-4DB9-B521-A5D068978F44}" type="datetimeFigureOut">
               <a:rPr lang="vi-VN" smtClean="0"/>
-              <a:t>03/01/2022</a:t>
+              <a:t>16/01/2022</a:t>
             </a:fld>
             <a:endParaRPr lang="vi-VN"/>
           </a:p>
@@ -5409,7 +5414,7 @@
           <a:p>
             <a:fld id="{21020BBD-C793-4DB9-B521-A5D068978F44}" type="datetimeFigureOut">
               <a:rPr lang="vi-VN" smtClean="0"/>
-              <a:t>03/01/2022</a:t>
+              <a:t>16/01/2022</a:t>
             </a:fld>
             <a:endParaRPr lang="vi-VN"/>
           </a:p>
@@ -5652,7 +5657,7 @@
           <a:p>
             <a:fld id="{21020BBD-C793-4DB9-B521-A5D068978F44}" type="datetimeFigureOut">
               <a:rPr lang="vi-VN" smtClean="0"/>
-              <a:t>03/01/2022</a:t>
+              <a:t>16/01/2022</a:t>
             </a:fld>
             <a:endParaRPr lang="vi-VN"/>
           </a:p>
@@ -6733,12 +6738,18 @@
           <a:p>
             <a:r>
               <a:rPr lang="en-US" b="1" dirty="0">
-                <a:latin typeface="Times New Roman" panose="02020603050405020304" pitchFamily="18" charset="0"/>
-                <a:cs typeface="Times New Roman" panose="02020603050405020304" pitchFamily="18" charset="0"/>
-              </a:rPr>
-              <a:t>LUMEN FRAMEWORD LÀ GÌ?</a:t>
+                <a:solidFill>
+                  <a:srgbClr val="FF0000"/>
+                </a:solidFill>
+                <a:latin typeface="Times New Roman" panose="02020603050405020304" pitchFamily="18" charset="0"/>
+                <a:cs typeface="Times New Roman" panose="02020603050405020304" pitchFamily="18" charset="0"/>
+              </a:rPr>
+              <a:t>NODEJS LÀ GÌ ?</a:t>
             </a:r>
             <a:endParaRPr lang="vi-VN" b="1" dirty="0">
+              <a:solidFill>
+                <a:srgbClr val="FF0000"/>
+              </a:solidFill>
               <a:latin typeface="Times New Roman" panose="02020603050405020304" pitchFamily="18" charset="0"/>
               <a:cs typeface="Times New Roman" panose="02020603050405020304" pitchFamily="18" charset="0"/>
             </a:endParaRPr>
@@ -6761,7 +6772,12 @@
             <p:ph idx="1"/>
           </p:nvPr>
         </p:nvSpPr>
-        <p:spPr/>
+        <p:spPr>
+          <a:xfrm>
+            <a:off x="838200" y="1495425"/>
+            <a:ext cx="10515600" cy="4351338"/>
+          </a:xfrm>
+        </p:spPr>
         <p:txBody>
           <a:bodyPr>
             <a:noAutofit/>
@@ -6781,17 +6797,33 @@
             <a:r>
               <a:rPr lang="vi-VN" sz="3000" dirty="0">
                 <a:effectLst/>
-                <a:latin typeface="Times New Roman" panose="02020603050405020304" pitchFamily="18" charset="0"/>
-                <a:ea typeface="Calibri" panose="020F0502020204030204" pitchFamily="34" charset="0"/>
-              </a:rPr>
-              <a:t>Lumen là một framework PHP được phát triển bởi cha đẻ của Laravel – Taylor Otwell. Theo tác giả , Lumen không có ý định thay thế Laravel. Trên thực tế Lumen được tạo ra để làm hệ thống microservices – một hệ thống nhỏ hơn để hỗ trợ các hệ thống lớn như Laravel</a:t>
-            </a:r>
-            <a:endParaRPr lang="vi-VN" sz="3000" dirty="0">
-              <a:effectLst/>
-              <a:latin typeface="+mj-lt"/>
-              <a:ea typeface="Times New Roman" panose="02020603050405020304" pitchFamily="18" charset="0"/>
-              <a:cs typeface="Times New Roman" panose="02020603050405020304" pitchFamily="18" charset="0"/>
-            </a:endParaRPr>
+                <a:latin typeface="+mj-lt"/>
+                <a:ea typeface="Times New Roman" panose="02020603050405020304" pitchFamily="18" charset="0"/>
+                <a:cs typeface="Times New Roman" panose="02020603050405020304" pitchFamily="18" charset="0"/>
+              </a:rPr>
+              <a:t>NodeJS là một mã nguồn được xây dựng dựa trên nền tảng Javascript V8 Engine, nó được sử dụng để xây dựng các ứng dụng web như các trang video clip, các forum và đặc biệt là trang mạng xã hội phạm vi hẹp. NodeJS là một mã nguồn mở được sử dụng rộng bởi hàng ngàn lập trình viên trên toàn thế giới.</a:t>
+            </a:r>
+          </a:p>
+          <a:p>
+            <a:pPr marL="342900" lvl="0" indent="-342900" algn="just">
+              <a:spcBef>
+                <a:spcPts val="600"/>
+              </a:spcBef>
+              <a:spcAft>
+                <a:spcPts val="600"/>
+              </a:spcAft>
+              <a:buFont typeface="Times New Roman" panose="02020603050405020304" pitchFamily="18" charset="0"/>
+              <a:buChar char="-"/>
+            </a:pPr>
+            <a:r>
+              <a:rPr lang="vi-VN" sz="3000" dirty="0">
+                <a:effectLst/>
+                <a:latin typeface="+mj-lt"/>
+                <a:ea typeface="Times New Roman" panose="02020603050405020304" pitchFamily="18" charset="0"/>
+                <a:cs typeface="Times New Roman" panose="02020603050405020304" pitchFamily="18" charset="0"/>
+              </a:rPr>
+              <a:t>NodeJS có thể chạy trên nhiều nền tảng hệ điều hành khác nhau từ WIndow cho tới Linux, OS X nên đó cũng là một lợi thế. NodeJS cung cấp các thư viện phong phú ở dạng Javascript Module khác nhau giúp đơn giản hóa việc lập trình và giảm thời gian ở mức thấp nhất.</a:t>
+            </a:r>
           </a:p>
         </p:txBody>
       </p:sp>
@@ -6800,7 +6832,7 @@
           <p:cNvPr id="4" name="Title 1">
             <a:extLst>
               <a:ext uri="{FF2B5EF4-FFF2-40B4-BE49-F238E27FC236}">
-                <a16:creationId xmlns:a16="http://schemas.microsoft.com/office/drawing/2014/main" id="{53134A43-2150-4166-807D-9B978F6C0EAE}"/>
+                <a16:creationId xmlns:a16="http://schemas.microsoft.com/office/drawing/2014/main" id="{1A9B04AE-CD48-4F0D-9995-0EBCEC452455}"/>
               </a:ext>
             </a:extLst>
           </p:cNvPr>
@@ -6937,20 +6969,20 @@
     </p:spTree>
     <p:extLst>
       <p:ext uri="{BB962C8B-B14F-4D97-AF65-F5344CB8AC3E}">
-        <p14:creationId xmlns:p14="http://schemas.microsoft.com/office/powerpoint/2010/main" val="4111909814"/>
+        <p14:creationId xmlns:p14="http://schemas.microsoft.com/office/powerpoint/2010/main" val="1934508171"/>
       </p:ext>
     </p:extLst>
   </p:cSld>
   <p:clrMapOvr>
     <a:masterClrMapping/>
   </p:clrMapOvr>
-  <mc:AlternateContent xmlns:mc="http://schemas.openxmlformats.org/markup-compatibility/2006">
-    <mc:Choice xmlns:p15="http://schemas.microsoft.com/office/powerpoint/2012/main" Requires="p15">
+  <mc:AlternateContent xmlns:mc="http://schemas.openxmlformats.org/markup-compatibility/2006" xmlns:p15="http://schemas.microsoft.com/office/powerpoint/2012/main">
+    <mc:Choice Requires="p15">
       <p:transition xmlns:p14="http://schemas.microsoft.com/office/powerpoint/2010/main" spd="slow" p14:dur="2000">
         <p15:prstTrans prst="drape"/>
       </p:transition>
     </mc:Choice>
-    <mc:Fallback>
+    <mc:Fallback xmlns="">
       <p:transition spd="slow">
         <p:fade/>
       </p:transition>
@@ -7011,6 +7043,67 @@
                                           <p:spTgt spid="3">
                                             <p:txEl>
                                               <p:pRg st="0" end="0"/>
+                                            </p:txEl>
+                                          </p:spTgt>
+                                        </p:tgtEl>
+                                      </p:cBhvr>
+                                    </p:animEffect>
+                                  </p:childTnLst>
+                                </p:cTn>
+                              </p:par>
+                            </p:childTnLst>
+                          </p:cTn>
+                        </p:par>
+                      </p:childTnLst>
+                    </p:cTn>
+                  </p:par>
+                  <p:par>
+                    <p:cTn id="8" fill="hold">
+                      <p:stCondLst>
+                        <p:cond delay="indefinite"/>
+                      </p:stCondLst>
+                      <p:childTnLst>
+                        <p:par>
+                          <p:cTn id="9" fill="hold">
+                            <p:stCondLst>
+                              <p:cond delay="0"/>
+                            </p:stCondLst>
+                            <p:childTnLst>
+                              <p:par>
+                                <p:cTn id="10" presetID="10" presetClass="entr" presetSubtype="0" fill="hold" grpId="0" nodeType="clickEffect">
+                                  <p:stCondLst>
+                                    <p:cond delay="0"/>
+                                  </p:stCondLst>
+                                  <p:childTnLst>
+                                    <p:set>
+                                      <p:cBhvr>
+                                        <p:cTn id="11" dur="1" fill="hold">
+                                          <p:stCondLst>
+                                            <p:cond delay="0"/>
+                                          </p:stCondLst>
+                                        </p:cTn>
+                                        <p:tgtEl>
+                                          <p:spTgt spid="3">
+                                            <p:txEl>
+                                              <p:pRg st="1" end="1"/>
+                                            </p:txEl>
+                                          </p:spTgt>
+                                        </p:tgtEl>
+                                        <p:attrNameLst>
+                                          <p:attrName>style.visibility</p:attrName>
+                                        </p:attrNameLst>
+                                      </p:cBhvr>
+                                      <p:to>
+                                        <p:strVal val="visible"/>
+                                      </p:to>
+                                    </p:set>
+                                    <p:animEffect transition="in" filter="fade">
+                                      <p:cBhvr>
+                                        <p:cTn id="12" dur="500"/>
+                                        <p:tgtEl>
+                                          <p:spTgt spid="3">
+                                            <p:txEl>
+                                              <p:pRg st="1" end="1"/>
                                             </p:txEl>
                                           </p:spTgt>
                                         </p:tgtEl>
@@ -7093,12 +7186,18 @@
           <a:p>
             <a:r>
               <a:rPr lang="en-US" b="1" dirty="0">
+                <a:solidFill>
+                  <a:srgbClr val="FF0000"/>
+                </a:solidFill>
                 <a:latin typeface="Times New Roman" panose="02020603050405020304" pitchFamily="18" charset="0"/>
                 <a:cs typeface="Times New Roman" panose="02020603050405020304" pitchFamily="18" charset="0"/>
               </a:rPr>
               <a:t>CƠ CẤU TỔ CHỨC HỆ THỐNG?</a:t>
             </a:r>
             <a:endParaRPr lang="vi-VN" b="1" dirty="0">
+              <a:solidFill>
+                <a:srgbClr val="FF0000"/>
+              </a:solidFill>
               <a:latin typeface="Times New Roman" panose="02020603050405020304" pitchFamily="18" charset="0"/>
               <a:cs typeface="Times New Roman" panose="02020603050405020304" pitchFamily="18" charset="0"/>
             </a:endParaRPr>
@@ -7123,7 +7222,7 @@
         </p:nvSpPr>
         <p:spPr>
           <a:xfrm>
-            <a:off x="838200" y="1437367"/>
+            <a:off x="838200" y="1411241"/>
             <a:ext cx="10515600" cy="4351338"/>
           </a:xfrm>
         </p:spPr>
@@ -9223,13 +9322,13 @@
   <p:clrMapOvr>
     <a:masterClrMapping/>
   </p:clrMapOvr>
-  <mc:AlternateContent xmlns:mc="http://schemas.openxmlformats.org/markup-compatibility/2006">
-    <mc:Choice xmlns:p15="http://schemas.microsoft.com/office/powerpoint/2012/main" Requires="p15">
+  <mc:AlternateContent xmlns:mc="http://schemas.openxmlformats.org/markup-compatibility/2006" xmlns:p15="http://schemas.microsoft.com/office/powerpoint/2012/main">
+    <mc:Choice Requires="p15">
       <p:transition xmlns:p14="http://schemas.microsoft.com/office/powerpoint/2010/main" spd="slow" p14:dur="6000">
         <p15:prstTrans prst="curtains"/>
       </p:transition>
     </mc:Choice>
-    <mc:Fallback>
+    <mc:Fallback xmlns="">
       <p:transition spd="slow">
         <p:fade/>
       </p:transition>
@@ -9668,62 +9767,32 @@
       </p:sp>
       <p:pic>
         <p:nvPicPr>
-          <p:cNvPr id="2050" name="Picture 1">
+          <p:cNvPr id="4" name="Picture 3">
             <a:extLst>
               <a:ext uri="{FF2B5EF4-FFF2-40B4-BE49-F238E27FC236}">
-                <a16:creationId xmlns:a16="http://schemas.microsoft.com/office/drawing/2014/main" id="{892317D2-3FF6-4670-A373-4677EB8B86B6}"/>
+                <a16:creationId xmlns:a16="http://schemas.microsoft.com/office/drawing/2014/main" id="{15B5B4B8-E558-4BFB-AC9C-5E8D1D161741}"/>
               </a:ext>
             </a:extLst>
           </p:cNvPr>
           <p:cNvPicPr>
-            <a:picLocks noChangeAspect="1" noChangeArrowheads="1"/>
+            <a:picLocks noChangeAspect="1"/>
           </p:cNvPicPr>
           <p:nvPr/>
         </p:nvPicPr>
         <p:blipFill>
-          <a:blip r:embed="rId2">
-            <a:extLst>
-              <a:ext uri="{28A0092B-C50C-407E-A947-70E740481C1C}">
-                <a14:useLocalDpi xmlns:a14="http://schemas.microsoft.com/office/drawing/2010/main" val="0"/>
-              </a:ext>
-            </a:extLst>
-          </a:blip>
-          <a:srcRect/>
+          <a:blip r:embed="rId2"/>
           <a:stretch>
             <a:fillRect/>
           </a:stretch>
         </p:blipFill>
-        <p:spPr bwMode="auto">
+        <p:spPr>
           <a:xfrm>
-            <a:off x="1055914" y="1496969"/>
-            <a:ext cx="10297886" cy="5368566"/>
+            <a:off x="0" y="1027906"/>
+            <a:ext cx="12192000" cy="5927406"/>
           </a:xfrm>
           <a:prstGeom prst="rect">
             <a:avLst/>
           </a:prstGeom>
-          <a:noFill/>
-          <a:ln>
-            <a:noFill/>
-          </a:ln>
-          <a:extLst>
-            <a:ext uri="{909E8E84-426E-40DD-AFC4-6F175D3DCCD1}">
-              <a14:hiddenFill xmlns:a14="http://schemas.microsoft.com/office/drawing/2010/main">
-                <a:solidFill>
-                  <a:srgbClr val="FFFFFF"/>
-                </a:solidFill>
-              </a14:hiddenFill>
-            </a:ext>
-            <a:ext uri="{91240B29-F687-4F45-9708-019B960494DF}">
-              <a14:hiddenLine xmlns:a14="http://schemas.microsoft.com/office/drawing/2010/main" w="9525">
-                <a:solidFill>
-                  <a:srgbClr val="000000"/>
-                </a:solidFill>
-                <a:miter lim="800000"/>
-                <a:headEnd/>
-                <a:tailEnd/>
-              </a14:hiddenLine>
-            </a:ext>
-          </a:extLst>
         </p:spPr>
       </p:pic>
     </p:spTree>
@@ -9794,66 +9863,6 @@
           </a:p>
         </p:txBody>
       </p:sp>
-      <p:pic>
-        <p:nvPicPr>
-          <p:cNvPr id="3074" name="Picture 1">
-            <a:extLst>
-              <a:ext uri="{FF2B5EF4-FFF2-40B4-BE49-F238E27FC236}">
-                <a16:creationId xmlns:a16="http://schemas.microsoft.com/office/drawing/2014/main" id="{20F5CBDF-134C-4230-9EC9-3A952C50B765}"/>
-              </a:ext>
-            </a:extLst>
-          </p:cNvPr>
-          <p:cNvPicPr>
-            <a:picLocks noChangeAspect="1" noChangeArrowheads="1"/>
-          </p:cNvPicPr>
-          <p:nvPr/>
-        </p:nvPicPr>
-        <p:blipFill>
-          <a:blip r:embed="rId2">
-            <a:extLst>
-              <a:ext uri="{28A0092B-C50C-407E-A947-70E740481C1C}">
-                <a14:useLocalDpi xmlns:a14="http://schemas.microsoft.com/office/drawing/2010/main" val="0"/>
-              </a:ext>
-            </a:extLst>
-          </a:blip>
-          <a:srcRect/>
-          <a:stretch>
-            <a:fillRect/>
-          </a:stretch>
-        </p:blipFill>
-        <p:spPr bwMode="auto">
-          <a:xfrm>
-            <a:off x="391886" y="1504950"/>
-            <a:ext cx="11654971" cy="5353050"/>
-          </a:xfrm>
-          <a:prstGeom prst="rect">
-            <a:avLst/>
-          </a:prstGeom>
-          <a:noFill/>
-          <a:ln>
-            <a:noFill/>
-          </a:ln>
-          <a:extLst>
-            <a:ext uri="{909E8E84-426E-40DD-AFC4-6F175D3DCCD1}">
-              <a14:hiddenFill xmlns:a14="http://schemas.microsoft.com/office/drawing/2010/main">
-                <a:solidFill>
-                  <a:srgbClr val="FFFFFF"/>
-                </a:solidFill>
-              </a14:hiddenFill>
-            </a:ext>
-            <a:ext uri="{91240B29-F687-4F45-9708-019B960494DF}">
-              <a14:hiddenLine xmlns:a14="http://schemas.microsoft.com/office/drawing/2010/main" w="9525">
-                <a:solidFill>
-                  <a:srgbClr val="000000"/>
-                </a:solidFill>
-                <a:miter lim="800000"/>
-                <a:headEnd/>
-                <a:tailEnd/>
-              </a14:hiddenLine>
-            </a:ext>
-          </a:extLst>
-        </p:spPr>
-      </p:pic>
       <p:sp>
         <p:nvSpPr>
           <p:cNvPr id="5" name="Title 1">
@@ -9993,6 +10002,36 @@
           </a:p>
         </p:txBody>
       </p:sp>
+      <p:pic>
+        <p:nvPicPr>
+          <p:cNvPr id="4" name="Picture 3">
+            <a:extLst>
+              <a:ext uri="{FF2B5EF4-FFF2-40B4-BE49-F238E27FC236}">
+                <a16:creationId xmlns:a16="http://schemas.microsoft.com/office/drawing/2014/main" id="{DEF443EB-2A52-4CC3-AAF0-5BF9D5B7B948}"/>
+              </a:ext>
+            </a:extLst>
+          </p:cNvPr>
+          <p:cNvPicPr>
+            <a:picLocks noChangeAspect="1"/>
+          </p:cNvPicPr>
+          <p:nvPr/>
+        </p:nvPicPr>
+        <p:blipFill>
+          <a:blip r:embed="rId2"/>
+          <a:stretch>
+            <a:fillRect/>
+          </a:stretch>
+        </p:blipFill>
+        <p:spPr>
+          <a:xfrm>
+            <a:off x="18144" y="1071451"/>
+            <a:ext cx="12192000" cy="5581900"/>
+          </a:xfrm>
+          <a:prstGeom prst="rect">
+            <a:avLst/>
+          </a:prstGeom>
+        </p:spPr>
+      </p:pic>
     </p:spTree>
     <p:extLst>
       <p:ext uri="{BB962C8B-B14F-4D97-AF65-F5344CB8AC3E}">
@@ -10052,7 +10091,7 @@
                 <a:latin typeface="Times New Roman" panose="02020603050405020304" pitchFamily="18" charset="0"/>
                 <a:cs typeface="Times New Roman" panose="02020603050405020304" pitchFamily="18" charset="0"/>
               </a:rPr>
-              <a:t>SƠ ĐỒ LỚP MỨC PHÂN TÍCH:</a:t>
+              <a:t>SƠ ĐỒ LỚP MỨC THIẾT KẾ:</a:t>
             </a:r>
             <a:endParaRPr lang="vi-VN" b="1" dirty="0">
               <a:latin typeface="Times New Roman" panose="02020603050405020304" pitchFamily="18" charset="0"/>
@@ -10061,36 +10100,6 @@
           </a:p>
         </p:txBody>
       </p:sp>
-      <p:pic>
-        <p:nvPicPr>
-          <p:cNvPr id="4" name="Picture 3">
-            <a:extLst>
-              <a:ext uri="{FF2B5EF4-FFF2-40B4-BE49-F238E27FC236}">
-                <a16:creationId xmlns:a16="http://schemas.microsoft.com/office/drawing/2014/main" id="{B4D9F98C-E0C9-4FCE-B8EF-702C7ABF0554}"/>
-              </a:ext>
-            </a:extLst>
-          </p:cNvPr>
-          <p:cNvPicPr>
-            <a:picLocks noChangeAspect="1"/>
-          </p:cNvPicPr>
-          <p:nvPr/>
-        </p:nvPicPr>
-        <p:blipFill>
-          <a:blip r:embed="rId2"/>
-          <a:stretch>
-            <a:fillRect/>
-          </a:stretch>
-        </p:blipFill>
-        <p:spPr>
-          <a:xfrm>
-            <a:off x="1197428" y="1364342"/>
-            <a:ext cx="9797143" cy="5493657"/>
-          </a:xfrm>
-          <a:prstGeom prst="rect">
-            <a:avLst/>
-          </a:prstGeom>
-        </p:spPr>
-      </p:pic>
       <p:sp>
         <p:nvSpPr>
           <p:cNvPr id="7" name="Title 1">
@@ -10230,6 +10239,36 @@
           </a:p>
         </p:txBody>
       </p:sp>
+      <p:pic>
+        <p:nvPicPr>
+          <p:cNvPr id="5" name="Picture 4">
+            <a:extLst>
+              <a:ext uri="{FF2B5EF4-FFF2-40B4-BE49-F238E27FC236}">
+                <a16:creationId xmlns:a16="http://schemas.microsoft.com/office/drawing/2014/main" id="{A490FA82-3AD8-48AD-8D1F-C177692AE6FE}"/>
+              </a:ext>
+            </a:extLst>
+          </p:cNvPr>
+          <p:cNvPicPr>
+            <a:picLocks noChangeAspect="1"/>
+          </p:cNvPicPr>
+          <p:nvPr/>
+        </p:nvPicPr>
+        <p:blipFill>
+          <a:blip r:embed="rId2"/>
+          <a:stretch>
+            <a:fillRect/>
+          </a:stretch>
+        </p:blipFill>
+        <p:spPr>
+          <a:xfrm>
+            <a:off x="757075" y="1036320"/>
+            <a:ext cx="10677850" cy="5690234"/>
+          </a:xfrm>
+          <a:prstGeom prst="rect">
+            <a:avLst/>
+          </a:prstGeom>
+        </p:spPr>
+      </p:pic>
     </p:spTree>
     <p:extLst>
       <p:ext uri="{BB962C8B-B14F-4D97-AF65-F5344CB8AC3E}">
@@ -10762,11 +10801,11 @@
   <p:clrMapOvr>
     <a:masterClrMapping/>
   </p:clrMapOvr>
-  <mc:AlternateContent xmlns:mc="http://schemas.openxmlformats.org/markup-compatibility/2006">
-    <mc:Choice xmlns:p14="http://schemas.microsoft.com/office/powerpoint/2010/main" Requires="p14">
+  <mc:AlternateContent xmlns:mc="http://schemas.openxmlformats.org/markup-compatibility/2006" xmlns:p14="http://schemas.microsoft.com/office/powerpoint/2010/main">
+    <mc:Choice Requires="p14">
       <p:transition p14:dur="10"/>
     </mc:Choice>
-    <mc:Fallback>
+    <mc:Fallback xmlns="">
       <p:transition/>
     </mc:Fallback>
   </mc:AlternateContent>
@@ -11156,12 +11195,18 @@
             <a:pPr algn="ctr"/>
             <a:r>
               <a:rPr lang="en-US" b="1" dirty="0">
+                <a:solidFill>
+                  <a:srgbClr val="FF0000"/>
+                </a:solidFill>
                 <a:latin typeface="Times New Roman" panose="02020603050405020304" pitchFamily="18" charset="0"/>
                 <a:cs typeface="Times New Roman" panose="02020603050405020304" pitchFamily="18" charset="0"/>
               </a:rPr>
               <a:t>PHẦN MỞ ĐẦU</a:t>
             </a:r>
             <a:endParaRPr lang="vi-VN" b="1" dirty="0">
+              <a:solidFill>
+                <a:srgbClr val="FF0000"/>
+              </a:solidFill>
               <a:latin typeface="Times New Roman" panose="02020603050405020304" pitchFamily="18" charset="0"/>
               <a:cs typeface="Times New Roman" panose="02020603050405020304" pitchFamily="18" charset="0"/>
             </a:endParaRPr>
@@ -11348,13 +11393,13 @@
   <p:clrMapOvr>
     <a:masterClrMapping/>
   </p:clrMapOvr>
-  <mc:AlternateContent xmlns:mc="http://schemas.openxmlformats.org/markup-compatibility/2006">
-    <mc:Choice xmlns:p14="http://schemas.microsoft.com/office/powerpoint/2010/main" Requires="p14">
+  <mc:AlternateContent xmlns:mc="http://schemas.openxmlformats.org/markup-compatibility/2006" xmlns:p14="http://schemas.microsoft.com/office/powerpoint/2010/main">
+    <mc:Choice Requires="p14">
       <p:transition spd="slow" p14:dur="1500">
         <p:split orient="vert"/>
       </p:transition>
     </mc:Choice>
-    <mc:Fallback>
+    <mc:Fallback xmlns="">
       <p:transition spd="slow">
         <p:split orient="vert"/>
       </p:transition>
@@ -11544,13 +11589,13 @@
   <p:clrMapOvr>
     <a:masterClrMapping/>
   </p:clrMapOvr>
-  <mc:AlternateContent xmlns:mc="http://schemas.openxmlformats.org/markup-compatibility/2006">
-    <mc:Choice xmlns:p14="http://schemas.microsoft.com/office/powerpoint/2010/main" Requires="p14">
+  <mc:AlternateContent xmlns:mc="http://schemas.openxmlformats.org/markup-compatibility/2006" xmlns:p14="http://schemas.microsoft.com/office/powerpoint/2010/main">
+    <mc:Choice Requires="p14">
       <p:transition spd="slow" p14:dur="3400">
         <p14:reveal/>
       </p:transition>
     </mc:Choice>
-    <mc:Fallback>
+    <mc:Fallback xmlns="">
       <p:transition spd="slow">
         <p:fade/>
       </p:transition>
@@ -11599,12 +11644,18 @@
           <a:p>
             <a:r>
               <a:rPr lang="en-US" b="1" dirty="0">
+                <a:solidFill>
+                  <a:srgbClr val="FF0000"/>
+                </a:solidFill>
                 <a:latin typeface="Times New Roman" panose="02020603050405020304" pitchFamily="18" charset="0"/>
                 <a:cs typeface="Times New Roman" panose="02020603050405020304" pitchFamily="18" charset="0"/>
               </a:rPr>
               <a:t>VÌ SAO LỰA CHỌN ĐỀ TÀI ?</a:t>
             </a:r>
             <a:endParaRPr lang="vi-VN" b="1" dirty="0">
+              <a:solidFill>
+                <a:srgbClr val="FF0000"/>
+              </a:solidFill>
               <a:latin typeface="Times New Roman" panose="02020603050405020304" pitchFamily="18" charset="0"/>
               <a:cs typeface="Times New Roman" panose="02020603050405020304" pitchFamily="18" charset="0"/>
             </a:endParaRPr>
@@ -11651,7 +11702,7 @@
                 <a:latin typeface="Times New Roman" panose="02020603050405020304" pitchFamily="18" charset="0"/>
                 <a:ea typeface="Calibri" panose="020F0502020204030204" pitchFamily="34" charset="0"/>
               </a:rPr>
-              <a:t>Uniqlo đã có mặt tại Mỹ, Châu Âu và các nước Đông Nam Á, hiện nay Uniqlo tiếp tục mở rộng thêm các chi nhánh ở các nước. Theo đó thì những website và ứng dụng mua bán hàng cũng mang lại doanh số không hề nhỏ cho Uniqlo. Việt Nam là một nước đang trong giai đoạn chuyển đổi số.</a:t>
+              <a:t>Uniqlo đã có mặt tại Mỹ, Châu Âu và các nước Đông Nam Á, hiện nay Uniqlo tiếp tục mở rộng thêm các chi nhánh ở các nước. Theo đó thì những website và ứng dụng mua bán hàng cũng mang lại doanh số không hề nhỏ cho Uniqlo.</a:t>
             </a:r>
             <a:endParaRPr lang="vi-VN" sz="3000" dirty="0">
               <a:effectLst/>
@@ -11670,7 +11721,7 @@
                 <a:latin typeface="Times New Roman" panose="02020603050405020304" pitchFamily="18" charset="0"/>
                 <a:ea typeface="Calibri" panose="020F0502020204030204" pitchFamily="34" charset="0"/>
               </a:rPr>
-              <a:t>Mặc dù đã có chi nhánh ở Việt Nam từ năm 2018 nhưng Website Uniqlo của Việt Nam trước thời gian 05/11/2021 vẫn chưa </a:t>
+              <a:t>Uniqlo đã có mặt tại Việt Nam từ 2018 và doanh số thu về từ việc bán hàng ở Việt Nam rất cao</a:t>
             </a:r>
             <a:r>
               <a:rPr lang="pt-BR" sz="3000" dirty="0">
@@ -11678,7 +11729,7 @@
                 <a:latin typeface="Times New Roman" panose="02020603050405020304" pitchFamily="18" charset="0"/>
                 <a:ea typeface="Calibri" panose="020F0502020204030204" pitchFamily="34" charset="0"/>
               </a:rPr>
-              <a:t>đáp ứng được nhu cầu đặt hàng trực tuyến và chưa có ứng dụng trên thiết bị di động, nhóm em quyết đinh xây dựng hệ thống mua bán hàng và quảng bá sản phẩm Uniqlo trên cả 2 nền tảng đó.</a:t>
+              <a:t>. Chính vì muốn nâng cao trải nghiệm người dùng mà nhóm chúng em quyết định dựa trên những gì mà Uniqlo Việt Nam đã làm được để phát triển thêm nhiều tính năng mới, hỗ trợ người dùng một cách tốt nhất có thể. </a:t>
             </a:r>
             <a:endParaRPr lang="vi-VN" sz="3000" dirty="0">
               <a:latin typeface="+mj-lt"/>
@@ -12036,12 +12087,18 @@
           <a:p>
             <a:r>
               <a:rPr lang="en-US" b="1" dirty="0">
+                <a:solidFill>
+                  <a:srgbClr val="FF0000"/>
+                </a:solidFill>
                 <a:latin typeface="Times New Roman" panose="02020603050405020304" pitchFamily="18" charset="0"/>
                 <a:cs typeface="Times New Roman" panose="02020603050405020304" pitchFamily="18" charset="0"/>
               </a:rPr>
               <a:t>MỤC TIÊU ?</a:t>
             </a:r>
             <a:endParaRPr lang="vi-VN" b="1" dirty="0">
+              <a:solidFill>
+                <a:srgbClr val="FF0000"/>
+              </a:solidFill>
               <a:latin typeface="Times New Roman" panose="02020603050405020304" pitchFamily="18" charset="0"/>
               <a:cs typeface="Times New Roman" panose="02020603050405020304" pitchFamily="18" charset="0"/>
             </a:endParaRPr>
@@ -12087,7 +12144,15 @@
                 <a:latin typeface="Times New Roman" panose="02020603050405020304" pitchFamily="18" charset="0"/>
                 <a:ea typeface="Times New Roman" panose="02020603050405020304" pitchFamily="18" charset="0"/>
               </a:rPr>
-              <a:t> Xây dựng hệ thống với đầy đủ yếu tố cần thiết:</a:t>
+              <a:t> </a:t>
+            </a:r>
+            <a:r>
+              <a:rPr lang="pt-BR" sz="3000" b="1" dirty="0">
+                <a:effectLst/>
+                <a:latin typeface="Times New Roman" panose="02020603050405020304" pitchFamily="18" charset="0"/>
+                <a:ea typeface="Times New Roman" panose="02020603050405020304" pitchFamily="18" charset="0"/>
+              </a:rPr>
+              <a:t>Xây dựng hệ thống với đầy đủ yếu tố cần thiết:</a:t>
             </a:r>
           </a:p>
           <a:p>
@@ -12892,12 +12957,18 @@
           <a:p>
             <a:r>
               <a:rPr lang="en-US" b="1" dirty="0">
+                <a:solidFill>
+                  <a:srgbClr val="FF0000"/>
+                </a:solidFill>
                 <a:latin typeface="Times New Roman" panose="02020603050405020304" pitchFamily="18" charset="0"/>
                 <a:cs typeface="Times New Roman" panose="02020603050405020304" pitchFamily="18" charset="0"/>
               </a:rPr>
               <a:t>CÔNG CỤ VÀ THIẾT BỊ ?</a:t>
             </a:r>
             <a:endParaRPr lang="vi-VN" b="1" dirty="0">
+              <a:solidFill>
+                <a:srgbClr val="FF0000"/>
+              </a:solidFill>
               <a:latin typeface="Times New Roman" panose="02020603050405020304" pitchFamily="18" charset="0"/>
               <a:cs typeface="Times New Roman" panose="02020603050405020304" pitchFamily="18" charset="0"/>
             </a:endParaRPr>
@@ -12920,7 +12991,12 @@
             <p:ph idx="1"/>
           </p:nvPr>
         </p:nvSpPr>
-        <p:spPr/>
+        <p:spPr>
+          <a:xfrm>
+            <a:off x="838200" y="1454331"/>
+            <a:ext cx="10515600" cy="4722632"/>
+          </a:xfrm>
+        </p:spPr>
         <p:txBody>
           <a:bodyPr>
             <a:noAutofit/>
@@ -12944,7 +13020,24 @@
                 <a:ea typeface="Times New Roman" panose="02020603050405020304" pitchFamily="18" charset="0"/>
                 <a:cs typeface="Times New Roman" panose="02020603050405020304" pitchFamily="18" charset="0"/>
               </a:rPr>
-              <a:t>Đề tài viết bằng các ngôn ngữ và thư viện: Javascript, Lumen PHP, React JS, React Native.</a:t>
+              <a:t>Đề tài viết bằng </a:t>
+            </a:r>
+            <a:r>
+              <a:rPr lang="vi-VN" sz="3000" dirty="0">
+                <a:latin typeface="Times New Roman" panose="02020603050405020304" pitchFamily="18" charset="0"/>
+                <a:ea typeface="Times New Roman" panose="02020603050405020304" pitchFamily="18" charset="0"/>
+                <a:cs typeface="Times New Roman" panose="02020603050405020304" pitchFamily="18" charset="0"/>
+              </a:rPr>
+              <a:t>chương trình Visual Studio Code, </a:t>
+            </a:r>
+            <a:r>
+              <a:rPr lang="vi-VN" sz="3000" dirty="0">
+                <a:effectLst/>
+                <a:latin typeface="Times New Roman" panose="02020603050405020304" pitchFamily="18" charset="0"/>
+                <a:ea typeface="Times New Roman" panose="02020603050405020304" pitchFamily="18" charset="0"/>
+                <a:cs typeface="Times New Roman" panose="02020603050405020304" pitchFamily="18" charset="0"/>
+              </a:rPr>
+              <a:t>các ngôn ngữ và thư viện: Javascript, Lumen PHP, React JS, React Native.</a:t>
             </a:r>
           </a:p>
           <a:p>
@@ -12965,7 +13058,7 @@
                 <a:ea typeface="Calibri" panose="020F0502020204030204" pitchFamily="34" charset="0"/>
                 <a:cs typeface="Times New Roman" panose="02020603050405020304" pitchFamily="18" charset="0"/>
               </a:rPr>
-              <a:t>Không chỉ vậy trong đề tài còn sử dụng thêm NodeJS, Firebase, SocketIO và các thư viện NPM khác</a:t>
+              <a:t>Không chỉ vậy trong đề tài còn sử dụng thêm NodeJS, Firebase, SocketIO, FPT AI và các thư viện NPM khác.</a:t>
             </a:r>
             <a:endParaRPr lang="vi-VN" sz="3000" dirty="0">
               <a:latin typeface="Times New Roman" panose="02020603050405020304" pitchFamily="18" charset="0"/>
@@ -13113,6 +13206,161 @@
           </a:p>
         </p:txBody>
       </p:sp>
+      <p:pic>
+        <p:nvPicPr>
+          <p:cNvPr id="1029" name="Picture 5">
+            <a:extLst>
+              <a:ext uri="{FF2B5EF4-FFF2-40B4-BE49-F238E27FC236}">
+                <a16:creationId xmlns:a16="http://schemas.microsoft.com/office/drawing/2014/main" id="{53D2A5AF-F8D9-403F-B275-BC91C9700E2C}"/>
+              </a:ext>
+            </a:extLst>
+          </p:cNvPr>
+          <p:cNvPicPr>
+            <a:picLocks noChangeAspect="1" noChangeArrowheads="1"/>
+          </p:cNvPicPr>
+          <p:nvPr/>
+        </p:nvPicPr>
+        <p:blipFill>
+          <a:blip r:embed="rId2">
+            <a:extLst>
+              <a:ext uri="{28A0092B-C50C-407E-A947-70E740481C1C}">
+                <a14:useLocalDpi xmlns:a14="http://schemas.microsoft.com/office/drawing/2010/main" val="0"/>
+              </a:ext>
+            </a:extLst>
+          </a:blip>
+          <a:srcRect/>
+          <a:stretch>
+            <a:fillRect/>
+          </a:stretch>
+        </p:blipFill>
+        <p:spPr bwMode="auto">
+          <a:xfrm>
+            <a:off x="838200" y="3618683"/>
+            <a:ext cx="2914650" cy="1466850"/>
+          </a:xfrm>
+          <a:prstGeom prst="rect">
+            <a:avLst/>
+          </a:prstGeom>
+          <a:noFill/>
+          <a:extLst>
+            <a:ext uri="{909E8E84-426E-40DD-AFC4-6F175D3DCCD1}">
+              <a14:hiddenFill xmlns:a14="http://schemas.microsoft.com/office/drawing/2010/main">
+                <a:solidFill>
+                  <a:srgbClr val="FFFFFF"/>
+                </a:solidFill>
+              </a14:hiddenFill>
+            </a:ext>
+          </a:extLst>
+        </p:spPr>
+      </p:pic>
+      <p:pic>
+        <p:nvPicPr>
+          <p:cNvPr id="8" name="Picture 7">
+            <a:extLst>
+              <a:ext uri="{FF2B5EF4-FFF2-40B4-BE49-F238E27FC236}">
+                <a16:creationId xmlns:a16="http://schemas.microsoft.com/office/drawing/2014/main" id="{C275A6B1-9A3C-4E03-B6E6-7F35E902D026}"/>
+              </a:ext>
+            </a:extLst>
+          </p:cNvPr>
+          <p:cNvPicPr>
+            <a:picLocks noChangeAspect="1"/>
+          </p:cNvPicPr>
+          <p:nvPr/>
+        </p:nvPicPr>
+        <p:blipFill>
+          <a:blip r:embed="rId3">
+            <a:extLst>
+              <a:ext uri="{28A0092B-C50C-407E-A947-70E740481C1C}">
+                <a14:useLocalDpi xmlns:a14="http://schemas.microsoft.com/office/drawing/2010/main" val="0"/>
+              </a:ext>
+            </a:extLst>
+          </a:blip>
+          <a:stretch>
+            <a:fillRect/>
+          </a:stretch>
+        </p:blipFill>
+        <p:spPr>
+          <a:xfrm>
+            <a:off x="3971109" y="3759970"/>
+            <a:ext cx="3087188" cy="1157696"/>
+          </a:xfrm>
+          <a:prstGeom prst="rect">
+            <a:avLst/>
+          </a:prstGeom>
+        </p:spPr>
+      </p:pic>
+      <p:pic>
+        <p:nvPicPr>
+          <p:cNvPr id="11" name="Picture 10">
+            <a:extLst>
+              <a:ext uri="{FF2B5EF4-FFF2-40B4-BE49-F238E27FC236}">
+                <a16:creationId xmlns:a16="http://schemas.microsoft.com/office/drawing/2014/main" id="{DDD6400A-888C-4311-BC30-53C508F972F4}"/>
+              </a:ext>
+            </a:extLst>
+          </p:cNvPr>
+          <p:cNvPicPr>
+            <a:picLocks noChangeAspect="1"/>
+          </p:cNvPicPr>
+          <p:nvPr/>
+        </p:nvPicPr>
+        <p:blipFill>
+          <a:blip r:embed="rId4">
+            <a:extLst>
+              <a:ext uri="{28A0092B-C50C-407E-A947-70E740481C1C}">
+                <a14:useLocalDpi xmlns:a14="http://schemas.microsoft.com/office/drawing/2010/main" val="0"/>
+              </a:ext>
+            </a:extLst>
+          </a:blip>
+          <a:stretch>
+            <a:fillRect/>
+          </a:stretch>
+        </p:blipFill>
+        <p:spPr>
+          <a:xfrm>
+            <a:off x="7422121" y="3759970"/>
+            <a:ext cx="2034061" cy="1157697"/>
+          </a:xfrm>
+          <a:prstGeom prst="rect">
+            <a:avLst/>
+          </a:prstGeom>
+        </p:spPr>
+      </p:pic>
+      <p:pic>
+        <p:nvPicPr>
+          <p:cNvPr id="14" name="Picture 13">
+            <a:extLst>
+              <a:ext uri="{FF2B5EF4-FFF2-40B4-BE49-F238E27FC236}">
+                <a16:creationId xmlns:a16="http://schemas.microsoft.com/office/drawing/2014/main" id="{FA3458F2-D291-4372-B7D4-F43DBBB02BDD}"/>
+              </a:ext>
+            </a:extLst>
+          </p:cNvPr>
+          <p:cNvPicPr>
+            <a:picLocks noChangeAspect="1"/>
+          </p:cNvPicPr>
+          <p:nvPr/>
+        </p:nvPicPr>
+        <p:blipFill>
+          <a:blip r:embed="rId5">
+            <a:extLst>
+              <a:ext uri="{28A0092B-C50C-407E-A947-70E740481C1C}">
+                <a14:useLocalDpi xmlns:a14="http://schemas.microsoft.com/office/drawing/2010/main" val="0"/>
+              </a:ext>
+            </a:extLst>
+          </a:blip>
+          <a:stretch>
+            <a:fillRect/>
+          </a:stretch>
+        </p:blipFill>
+        <p:spPr>
+          <a:xfrm>
+            <a:off x="9690799" y="3759968"/>
+            <a:ext cx="1881260" cy="1157698"/>
+          </a:xfrm>
+          <a:prstGeom prst="rect">
+            <a:avLst/>
+          </a:prstGeom>
+        </p:spPr>
+      </p:pic>
     </p:spTree>
     <p:extLst>
       <p:ext uri="{BB962C8B-B14F-4D97-AF65-F5344CB8AC3E}">
@@ -13123,13 +13371,13 @@
   <p:clrMapOvr>
     <a:masterClrMapping/>
   </p:clrMapOvr>
-  <mc:AlternateContent xmlns:mc="http://schemas.openxmlformats.org/markup-compatibility/2006">
-    <mc:Choice xmlns:p15="http://schemas.microsoft.com/office/powerpoint/2012/main" Requires="p15">
+  <mc:AlternateContent xmlns:mc="http://schemas.openxmlformats.org/markup-compatibility/2006" xmlns:p15="http://schemas.microsoft.com/office/powerpoint/2012/main">
+    <mc:Choice Requires="p15">
       <p:transition xmlns:p14="http://schemas.microsoft.com/office/powerpoint/2010/main" spd="slow" p14:dur="2000">
         <p15:prstTrans prst="fallOver"/>
       </p:transition>
     </mc:Choice>
-    <mc:Fallback>
+    <mc:Fallback xmlns="">
       <p:transition spd="slow">
         <p:fade/>
       </p:transition>
@@ -13441,12 +13689,18 @@
           <a:p>
             <a:r>
               <a:rPr lang="en-US" b="1" dirty="0">
+                <a:solidFill>
+                  <a:srgbClr val="FF0000"/>
+                </a:solidFill>
                 <a:latin typeface="Times New Roman" panose="02020603050405020304" pitchFamily="18" charset="0"/>
                 <a:cs typeface="Times New Roman" panose="02020603050405020304" pitchFamily="18" charset="0"/>
               </a:rPr>
               <a:t>REACT LÀ GÌ ?</a:t>
             </a:r>
             <a:endParaRPr lang="vi-VN" b="1" dirty="0">
+              <a:solidFill>
+                <a:srgbClr val="FF0000"/>
+              </a:solidFill>
               <a:latin typeface="Times New Roman" panose="02020603050405020304" pitchFamily="18" charset="0"/>
               <a:cs typeface="Times New Roman" panose="02020603050405020304" pitchFamily="18" charset="0"/>
             </a:endParaRPr>
@@ -13469,7 +13723,12 @@
             <p:ph idx="1"/>
           </p:nvPr>
         </p:nvSpPr>
-        <p:spPr/>
+        <p:spPr>
+          <a:xfrm>
+            <a:off x="838200" y="1471749"/>
+            <a:ext cx="10515600" cy="4705214"/>
+          </a:xfrm>
+        </p:spPr>
         <p:txBody>
           <a:bodyPr>
             <a:noAutofit/>
@@ -13696,13 +13955,13 @@
   <p:clrMapOvr>
     <a:masterClrMapping/>
   </p:clrMapOvr>
-  <mc:AlternateContent xmlns:mc="http://schemas.openxmlformats.org/markup-compatibility/2006">
-    <mc:Choice xmlns:p15="http://schemas.microsoft.com/office/powerpoint/2012/main" Requires="p15">
+  <mc:AlternateContent xmlns:mc="http://schemas.openxmlformats.org/markup-compatibility/2006" xmlns:p15="http://schemas.microsoft.com/office/powerpoint/2012/main">
+    <mc:Choice Requires="p15">
       <p:transition xmlns:p14="http://schemas.microsoft.com/office/powerpoint/2010/main" spd="slow" p14:dur="2000">
         <p15:prstTrans prst="drape"/>
       </p:transition>
     </mc:Choice>
-    <mc:Fallback>
+    <mc:Fallback xmlns="">
       <p:transition spd="slow">
         <p:fade/>
       </p:transition>
@@ -13906,12 +14165,18 @@
           <a:p>
             <a:r>
               <a:rPr lang="en-US" b="1" dirty="0">
-                <a:latin typeface="Times New Roman" panose="02020603050405020304" pitchFamily="18" charset="0"/>
-                <a:cs typeface="Times New Roman" panose="02020603050405020304" pitchFamily="18" charset="0"/>
-              </a:rPr>
-              <a:t>NODEJS LÀ GÌ ?</a:t>
+                <a:solidFill>
+                  <a:srgbClr val="FF0000"/>
+                </a:solidFill>
+                <a:latin typeface="Times New Roman" panose="02020603050405020304" pitchFamily="18" charset="0"/>
+                <a:cs typeface="Times New Roman" panose="02020603050405020304" pitchFamily="18" charset="0"/>
+              </a:rPr>
+              <a:t>LUMEN FRAMEWORD LÀ GÌ?</a:t>
             </a:r>
             <a:endParaRPr lang="vi-VN" b="1" dirty="0">
+              <a:solidFill>
+                <a:srgbClr val="FF0000"/>
+              </a:solidFill>
               <a:latin typeface="Times New Roman" panose="02020603050405020304" pitchFamily="18" charset="0"/>
               <a:cs typeface="Times New Roman" panose="02020603050405020304" pitchFamily="18" charset="0"/>
             </a:endParaRPr>
@@ -13934,12 +14199,7 @@
             <p:ph idx="1"/>
           </p:nvPr>
         </p:nvSpPr>
-        <p:spPr>
-          <a:xfrm>
-            <a:off x="838200" y="1495425"/>
-            <a:ext cx="10515600" cy="4351338"/>
-          </a:xfrm>
-        </p:spPr>
+        <p:spPr/>
         <p:txBody>
           <a:bodyPr>
             <a:noAutofit/>
@@ -13959,33 +14219,17 @@
             <a:r>
               <a:rPr lang="vi-VN" sz="3000" dirty="0">
                 <a:effectLst/>
-                <a:latin typeface="+mj-lt"/>
-                <a:ea typeface="Times New Roman" panose="02020603050405020304" pitchFamily="18" charset="0"/>
-                <a:cs typeface="Times New Roman" panose="02020603050405020304" pitchFamily="18" charset="0"/>
-              </a:rPr>
-              <a:t>NodeJS là một mã nguồn được xây dựng dựa trên nền tảng Javascript V8 Engine, nó được sử dụng để xây dựng các ứng dụng web như các trang video clip, các forum và đặc biệt là trang mạng xã hội phạm vi hẹp. NodeJS là một mã nguồn mở được sử dụng rộng bởi hàng ngàn lập trình viên trên toàn thế giới.</a:t>
-            </a:r>
-          </a:p>
-          <a:p>
-            <a:pPr marL="342900" lvl="0" indent="-342900" algn="just">
-              <a:spcBef>
-                <a:spcPts val="600"/>
-              </a:spcBef>
-              <a:spcAft>
-                <a:spcPts val="600"/>
-              </a:spcAft>
-              <a:buFont typeface="Times New Roman" panose="02020603050405020304" pitchFamily="18" charset="0"/>
-              <a:buChar char="-"/>
-            </a:pPr>
-            <a:r>
-              <a:rPr lang="vi-VN" sz="3000" dirty="0">
-                <a:effectLst/>
-                <a:latin typeface="+mj-lt"/>
-                <a:ea typeface="Times New Roman" panose="02020603050405020304" pitchFamily="18" charset="0"/>
-                <a:cs typeface="Times New Roman" panose="02020603050405020304" pitchFamily="18" charset="0"/>
-              </a:rPr>
-              <a:t>NodeJS có thể chạy trên nhiều nền tảng hệ điều hành khác nhau từ WIndow cho tới Linux, OS X nên đó cũng là một lợi thế. NodeJS cung cấp các thư viện phong phú ở dạng Javascript Module khác nhau giúp đơn giản hóa việc lập trình và giảm thời gian ở mức thấp nhất.</a:t>
-            </a:r>
+                <a:latin typeface="Times New Roman" panose="02020603050405020304" pitchFamily="18" charset="0"/>
+                <a:ea typeface="Calibri" panose="020F0502020204030204" pitchFamily="34" charset="0"/>
+              </a:rPr>
+              <a:t>Lumen là một framework PHP được phát triển bởi cha đẻ của Laravel – Taylor Otwell. Theo tác giả , Lumen không có ý định thay thế Laravel. Trên thực tế Lumen được tạo ra để làm hệ thống microservices – một hệ thống nhỏ hơn để hỗ trợ các hệ thống lớn như Laravel</a:t>
+            </a:r>
+            <a:endParaRPr lang="vi-VN" sz="3000" dirty="0">
+              <a:effectLst/>
+              <a:latin typeface="+mj-lt"/>
+              <a:ea typeface="Times New Roman" panose="02020603050405020304" pitchFamily="18" charset="0"/>
+              <a:cs typeface="Times New Roman" panose="02020603050405020304" pitchFamily="18" charset="0"/>
+            </a:endParaRPr>
           </a:p>
         </p:txBody>
       </p:sp>
@@ -13994,7 +14238,7 @@
           <p:cNvPr id="4" name="Title 1">
             <a:extLst>
               <a:ext uri="{FF2B5EF4-FFF2-40B4-BE49-F238E27FC236}">
-                <a16:creationId xmlns:a16="http://schemas.microsoft.com/office/drawing/2014/main" id="{1A9B04AE-CD48-4F0D-9995-0EBCEC452455}"/>
+                <a16:creationId xmlns:a16="http://schemas.microsoft.com/office/drawing/2014/main" id="{53134A43-2150-4166-807D-9B978F6C0EAE}"/>
               </a:ext>
             </a:extLst>
           </p:cNvPr>
@@ -14131,20 +14375,20 @@
     </p:spTree>
     <p:extLst>
       <p:ext uri="{BB962C8B-B14F-4D97-AF65-F5344CB8AC3E}">
-        <p14:creationId xmlns:p14="http://schemas.microsoft.com/office/powerpoint/2010/main" val="1934508171"/>
+        <p14:creationId xmlns:p14="http://schemas.microsoft.com/office/powerpoint/2010/main" val="4111909814"/>
       </p:ext>
     </p:extLst>
   </p:cSld>
   <p:clrMapOvr>
     <a:masterClrMapping/>
   </p:clrMapOvr>
-  <mc:AlternateContent xmlns:mc="http://schemas.openxmlformats.org/markup-compatibility/2006">
-    <mc:Choice xmlns:p15="http://schemas.microsoft.com/office/powerpoint/2012/main" Requires="p15">
+  <mc:AlternateContent xmlns:mc="http://schemas.openxmlformats.org/markup-compatibility/2006" xmlns:p15="http://schemas.microsoft.com/office/powerpoint/2012/main">
+    <mc:Choice Requires="p15">
       <p:transition xmlns:p14="http://schemas.microsoft.com/office/powerpoint/2010/main" spd="slow" p14:dur="2000">
         <p15:prstTrans prst="drape"/>
       </p:transition>
     </mc:Choice>
-    <mc:Fallback>
+    <mc:Fallback xmlns="">
       <p:transition spd="slow">
         <p:fade/>
       </p:transition>
@@ -14205,67 +14449,6 @@
                                           <p:spTgt spid="3">
                                             <p:txEl>
                                               <p:pRg st="0" end="0"/>
-                                            </p:txEl>
-                                          </p:spTgt>
-                                        </p:tgtEl>
-                                      </p:cBhvr>
-                                    </p:animEffect>
-                                  </p:childTnLst>
-                                </p:cTn>
-                              </p:par>
-                            </p:childTnLst>
-                          </p:cTn>
-                        </p:par>
-                      </p:childTnLst>
-                    </p:cTn>
-                  </p:par>
-                  <p:par>
-                    <p:cTn id="8" fill="hold">
-                      <p:stCondLst>
-                        <p:cond delay="indefinite"/>
-                      </p:stCondLst>
-                      <p:childTnLst>
-                        <p:par>
-                          <p:cTn id="9" fill="hold">
-                            <p:stCondLst>
-                              <p:cond delay="0"/>
-                            </p:stCondLst>
-                            <p:childTnLst>
-                              <p:par>
-                                <p:cTn id="10" presetID="10" presetClass="entr" presetSubtype="0" fill="hold" grpId="0" nodeType="clickEffect">
-                                  <p:stCondLst>
-                                    <p:cond delay="0"/>
-                                  </p:stCondLst>
-                                  <p:childTnLst>
-                                    <p:set>
-                                      <p:cBhvr>
-                                        <p:cTn id="11" dur="1" fill="hold">
-                                          <p:stCondLst>
-                                            <p:cond delay="0"/>
-                                          </p:stCondLst>
-                                        </p:cTn>
-                                        <p:tgtEl>
-                                          <p:spTgt spid="3">
-                                            <p:txEl>
-                                              <p:pRg st="1" end="1"/>
-                                            </p:txEl>
-                                          </p:spTgt>
-                                        </p:tgtEl>
-                                        <p:attrNameLst>
-                                          <p:attrName>style.visibility</p:attrName>
-                                        </p:attrNameLst>
-                                      </p:cBhvr>
-                                      <p:to>
-                                        <p:strVal val="visible"/>
-                                      </p:to>
-                                    </p:set>
-                                    <p:animEffect transition="in" filter="fade">
-                                      <p:cBhvr>
-                                        <p:cTn id="12" dur="500"/>
-                                        <p:tgtEl>
-                                          <p:spTgt spid="3">
-                                            <p:txEl>
-                                              <p:pRg st="1" end="1"/>
                                             </p:txEl>
                                           </p:spTgt>
                                         </p:tgtEl>

--- a/ppBaoCao_2.pptx
+++ b/ppBaoCao_2.pptx
@@ -12,15 +12,17 @@
     <p:sldId id="259" r:id="rId6"/>
     <p:sldId id="260" r:id="rId7"/>
     <p:sldId id="261" r:id="rId8"/>
-    <p:sldId id="262" r:id="rId9"/>
-    <p:sldId id="264" r:id="rId10"/>
-    <p:sldId id="263" r:id="rId11"/>
-    <p:sldId id="265" r:id="rId12"/>
+    <p:sldId id="274" r:id="rId9"/>
+    <p:sldId id="262" r:id="rId10"/>
+    <p:sldId id="264" r:id="rId11"/>
+    <p:sldId id="263" r:id="rId12"/>
     <p:sldId id="268" r:id="rId13"/>
-    <p:sldId id="266" r:id="rId14"/>
-    <p:sldId id="269" r:id="rId15"/>
-    <p:sldId id="270" r:id="rId16"/>
-    <p:sldId id="272" r:id="rId17"/>
+    <p:sldId id="265" r:id="rId14"/>
+    <p:sldId id="273" r:id="rId15"/>
+    <p:sldId id="266" r:id="rId16"/>
+    <p:sldId id="269" r:id="rId17"/>
+    <p:sldId id="270" r:id="rId18"/>
+    <p:sldId id="272" r:id="rId19"/>
   </p:sldIdLst>
   <p:sldSz cx="12192000" cy="6858000"/>
   <p:notesSz cx="6858000" cy="9144000"/>
@@ -2988,7 +2990,7 @@
           <a:p>
             <a:fld id="{21020BBD-C793-4DB9-B521-A5D068978F44}" type="datetimeFigureOut">
               <a:rPr lang="vi-VN" smtClean="0"/>
-              <a:t>16/01/2022</a:t>
+              <a:t>17/01/2022</a:t>
             </a:fld>
             <a:endParaRPr lang="vi-VN"/>
           </a:p>
@@ -3188,7 +3190,7 @@
           <a:p>
             <a:fld id="{21020BBD-C793-4DB9-B521-A5D068978F44}" type="datetimeFigureOut">
               <a:rPr lang="vi-VN" smtClean="0"/>
-              <a:t>16/01/2022</a:t>
+              <a:t>17/01/2022</a:t>
             </a:fld>
             <a:endParaRPr lang="vi-VN"/>
           </a:p>
@@ -3398,7 +3400,7 @@
           <a:p>
             <a:fld id="{21020BBD-C793-4DB9-B521-A5D068978F44}" type="datetimeFigureOut">
               <a:rPr lang="vi-VN" smtClean="0"/>
-              <a:t>16/01/2022</a:t>
+              <a:t>17/01/2022</a:t>
             </a:fld>
             <a:endParaRPr lang="vi-VN"/>
           </a:p>
@@ -3598,7 +3600,7 @@
           <a:p>
             <a:fld id="{21020BBD-C793-4DB9-B521-A5D068978F44}" type="datetimeFigureOut">
               <a:rPr lang="vi-VN" smtClean="0"/>
-              <a:t>16/01/2022</a:t>
+              <a:t>17/01/2022</a:t>
             </a:fld>
             <a:endParaRPr lang="vi-VN"/>
           </a:p>
@@ -3874,7 +3876,7 @@
           <a:p>
             <a:fld id="{21020BBD-C793-4DB9-B521-A5D068978F44}" type="datetimeFigureOut">
               <a:rPr lang="vi-VN" smtClean="0"/>
-              <a:t>16/01/2022</a:t>
+              <a:t>17/01/2022</a:t>
             </a:fld>
             <a:endParaRPr lang="vi-VN"/>
           </a:p>
@@ -4142,7 +4144,7 @@
           <a:p>
             <a:fld id="{21020BBD-C793-4DB9-B521-A5D068978F44}" type="datetimeFigureOut">
               <a:rPr lang="vi-VN" smtClean="0"/>
-              <a:t>16/01/2022</a:t>
+              <a:t>17/01/2022</a:t>
             </a:fld>
             <a:endParaRPr lang="vi-VN"/>
           </a:p>
@@ -4557,7 +4559,7 @@
           <a:p>
             <a:fld id="{21020BBD-C793-4DB9-B521-A5D068978F44}" type="datetimeFigureOut">
               <a:rPr lang="vi-VN" smtClean="0"/>
-              <a:t>16/01/2022</a:t>
+              <a:t>17/01/2022</a:t>
             </a:fld>
             <a:endParaRPr lang="vi-VN"/>
           </a:p>
@@ -4699,7 +4701,7 @@
           <a:p>
             <a:fld id="{21020BBD-C793-4DB9-B521-A5D068978F44}" type="datetimeFigureOut">
               <a:rPr lang="vi-VN" smtClean="0"/>
-              <a:t>16/01/2022</a:t>
+              <a:t>17/01/2022</a:t>
             </a:fld>
             <a:endParaRPr lang="vi-VN"/>
           </a:p>
@@ -4812,7 +4814,7 @@
           <a:p>
             <a:fld id="{21020BBD-C793-4DB9-B521-A5D068978F44}" type="datetimeFigureOut">
               <a:rPr lang="vi-VN" smtClean="0"/>
-              <a:t>16/01/2022</a:t>
+              <a:t>17/01/2022</a:t>
             </a:fld>
             <a:endParaRPr lang="vi-VN"/>
           </a:p>
@@ -5125,7 +5127,7 @@
           <a:p>
             <a:fld id="{21020BBD-C793-4DB9-B521-A5D068978F44}" type="datetimeFigureOut">
               <a:rPr lang="vi-VN" smtClean="0"/>
-              <a:t>16/01/2022</a:t>
+              <a:t>17/01/2022</a:t>
             </a:fld>
             <a:endParaRPr lang="vi-VN"/>
           </a:p>
@@ -5414,7 +5416,7 @@
           <a:p>
             <a:fld id="{21020BBD-C793-4DB9-B521-A5D068978F44}" type="datetimeFigureOut">
               <a:rPr lang="vi-VN" smtClean="0"/>
-              <a:t>16/01/2022</a:t>
+              <a:t>17/01/2022</a:t>
             </a:fld>
             <a:endParaRPr lang="vi-VN"/>
           </a:p>
@@ -5657,7 +5659,7 @@
           <a:p>
             <a:fld id="{21020BBD-C793-4DB9-B521-A5D068978F44}" type="datetimeFigureOut">
               <a:rPr lang="vi-VN" smtClean="0"/>
-              <a:t>16/01/2022</a:t>
+              <a:t>17/01/2022</a:t>
             </a:fld>
             <a:endParaRPr lang="vi-VN"/>
           </a:p>
@@ -6744,7 +6746,7 @@
                 <a:latin typeface="Times New Roman" panose="02020603050405020304" pitchFamily="18" charset="0"/>
                 <a:cs typeface="Times New Roman" panose="02020603050405020304" pitchFamily="18" charset="0"/>
               </a:rPr>
-              <a:t>NODEJS LÀ GÌ ?</a:t>
+              <a:t>LUMEN FRAMEWORD LÀ GÌ?</a:t>
             </a:r>
             <a:endParaRPr lang="vi-VN" b="1" dirty="0">
               <a:solidFill>
@@ -6772,12 +6774,7 @@
             <p:ph idx="1"/>
           </p:nvPr>
         </p:nvSpPr>
-        <p:spPr>
-          <a:xfrm>
-            <a:off x="838200" y="1495425"/>
-            <a:ext cx="10515600" cy="4351338"/>
-          </a:xfrm>
-        </p:spPr>
+        <p:spPr/>
         <p:txBody>
           <a:bodyPr>
             <a:noAutofit/>
@@ -6797,11 +6794,10 @@
             <a:r>
               <a:rPr lang="vi-VN" sz="3000" dirty="0">
                 <a:effectLst/>
-                <a:latin typeface="+mj-lt"/>
-                <a:ea typeface="Times New Roman" panose="02020603050405020304" pitchFamily="18" charset="0"/>
-                <a:cs typeface="Times New Roman" panose="02020603050405020304" pitchFamily="18" charset="0"/>
-              </a:rPr>
-              <a:t>NodeJS là một mã nguồn được xây dựng dựa trên nền tảng Javascript V8 Engine, nó được sử dụng để xây dựng các ứng dụng web như các trang video clip, các forum và đặc biệt là trang mạng xã hội phạm vi hẹp. NodeJS là một mã nguồn mở được sử dụng rộng bởi hàng ngàn lập trình viên trên toàn thế giới.</a:t>
+                <a:latin typeface="Times New Roman" panose="02020603050405020304" pitchFamily="18" charset="0"/>
+                <a:ea typeface="Calibri" panose="020F0502020204030204" pitchFamily="34" charset="0"/>
+              </a:rPr>
+              <a:t>Lumen là một framework PHP được phát triển bởi cha đẻ của Laravel – Taylor Otwell. Theo tác giả. Thực tế Lumen được tạo ra để làm hệ thống microservices – một hệ thống nhỏ hơn để hỗ trợ các hệ thống lớn như Laravel.</a:t>
             </a:r>
           </a:p>
           <a:p>
@@ -6817,13 +6813,18 @@
             </a:pPr>
             <a:r>
               <a:rPr lang="vi-VN" sz="3000" dirty="0">
-                <a:effectLst/>
-                <a:latin typeface="+mj-lt"/>
+                <a:latin typeface="Times New Roman" panose="02020603050405020304" pitchFamily="18" charset="0"/>
                 <a:ea typeface="Times New Roman" panose="02020603050405020304" pitchFamily="18" charset="0"/>
                 <a:cs typeface="Times New Roman" panose="02020603050405020304" pitchFamily="18" charset="0"/>
               </a:rPr>
-              <a:t>NodeJS có thể chạy trên nhiều nền tảng hệ điều hành khác nhau từ WIndow cho tới Linux, OS X nên đó cũng là một lợi thế. NodeJS cung cấp các thư viện phong phú ở dạng Javascript Module khác nhau giúp đơn giản hóa việc lập trình và giảm thời gian ở mức thấp nhất.</a:t>
-            </a:r>
+              <a:t>Mục đích: Xây dựng web service theo chuẩn Restful API</a:t>
+            </a:r>
+            <a:endParaRPr lang="vi-VN" sz="3000" dirty="0">
+              <a:effectLst/>
+              <a:latin typeface="+mj-lt"/>
+              <a:ea typeface="Times New Roman" panose="02020603050405020304" pitchFamily="18" charset="0"/>
+              <a:cs typeface="Times New Roman" panose="02020603050405020304" pitchFamily="18" charset="0"/>
+            </a:endParaRPr>
           </a:p>
         </p:txBody>
       </p:sp>
@@ -6832,7 +6833,7 @@
           <p:cNvPr id="4" name="Title 1">
             <a:extLst>
               <a:ext uri="{FF2B5EF4-FFF2-40B4-BE49-F238E27FC236}">
-                <a16:creationId xmlns:a16="http://schemas.microsoft.com/office/drawing/2014/main" id="{1A9B04AE-CD48-4F0D-9995-0EBCEC452455}"/>
+                <a16:creationId xmlns:a16="http://schemas.microsoft.com/office/drawing/2014/main" id="{53134A43-2150-4166-807D-9B978F6C0EAE}"/>
               </a:ext>
             </a:extLst>
           </p:cNvPr>
@@ -6969,7 +6970,7 @@
     </p:spTree>
     <p:extLst>
       <p:ext uri="{BB962C8B-B14F-4D97-AF65-F5344CB8AC3E}">
-        <p14:creationId xmlns:p14="http://schemas.microsoft.com/office/powerpoint/2010/main" val="1934508171"/>
+        <p14:creationId xmlns:p14="http://schemas.microsoft.com/office/powerpoint/2010/main" val="4111909814"/>
       </p:ext>
     </p:extLst>
   </p:cSld>
@@ -7192,7 +7193,7 @@
                 <a:latin typeface="Times New Roman" panose="02020603050405020304" pitchFamily="18" charset="0"/>
                 <a:cs typeface="Times New Roman" panose="02020603050405020304" pitchFamily="18" charset="0"/>
               </a:rPr>
-              <a:t>CƠ CẤU TỔ CHỨC HỆ THỐNG?</a:t>
+              <a:t>NODEJS LÀ GÌ ?</a:t>
             </a:r>
             <a:endParaRPr lang="vi-VN" b="1" dirty="0">
               <a:solidFill>
@@ -7222,8 +7223,577 @@
         </p:nvSpPr>
         <p:spPr>
           <a:xfrm>
-            <a:off x="838200" y="1411241"/>
+            <a:off x="838200" y="1495425"/>
             <a:ext cx="10515600" cy="4351338"/>
+          </a:xfrm>
+        </p:spPr>
+        <p:txBody>
+          <a:bodyPr>
+            <a:noAutofit/>
+          </a:bodyPr>
+          <a:lstStyle/>
+          <a:p>
+            <a:pPr marL="342900" lvl="0" indent="-342900" algn="just">
+              <a:spcBef>
+                <a:spcPts val="600"/>
+              </a:spcBef>
+              <a:spcAft>
+                <a:spcPts val="600"/>
+              </a:spcAft>
+              <a:buFont typeface="Times New Roman" panose="02020603050405020304" pitchFamily="18" charset="0"/>
+              <a:buChar char="-"/>
+            </a:pPr>
+            <a:r>
+              <a:rPr lang="vi-VN" sz="3000" dirty="0">
+                <a:effectLst/>
+                <a:latin typeface="+mj-lt"/>
+                <a:ea typeface="Times New Roman" panose="02020603050405020304" pitchFamily="18" charset="0"/>
+                <a:cs typeface="Times New Roman" panose="02020603050405020304" pitchFamily="18" charset="0"/>
+              </a:rPr>
+              <a:t>NodeJS là một mã nguồn được xây dựng dựa trên nền tảng Javascript V8 Engine, nó được sử dụng để xây dựng các ứng dụng web như các trang video clip, các forum và đặc biệt là trang mạng xã hội phạm vi hẹp.</a:t>
+            </a:r>
+            <a:r>
+              <a:rPr lang="vi-VN" sz="3000" dirty="0">
+                <a:latin typeface="+mj-lt"/>
+                <a:ea typeface="Times New Roman" panose="02020603050405020304" pitchFamily="18" charset="0"/>
+                <a:cs typeface="Times New Roman" panose="02020603050405020304" pitchFamily="18" charset="0"/>
+              </a:rPr>
+              <a:t> </a:t>
+            </a:r>
+            <a:r>
+              <a:rPr lang="vi-VN" sz="3000" dirty="0">
+                <a:effectLst/>
+                <a:latin typeface="+mj-lt"/>
+                <a:ea typeface="Times New Roman" panose="02020603050405020304" pitchFamily="18" charset="0"/>
+                <a:cs typeface="Times New Roman" panose="02020603050405020304" pitchFamily="18" charset="0"/>
+              </a:rPr>
+              <a:t>NodeJS có thể chạy trên nhiều nền tảng hệ điều hành khác nhau.</a:t>
+            </a:r>
+          </a:p>
+          <a:p>
+            <a:pPr marL="342900" lvl="0" indent="-342900" algn="just">
+              <a:spcBef>
+                <a:spcPts val="600"/>
+              </a:spcBef>
+              <a:spcAft>
+                <a:spcPts val="600"/>
+              </a:spcAft>
+              <a:buFont typeface="Times New Roman" panose="02020603050405020304" pitchFamily="18" charset="0"/>
+              <a:buChar char="-"/>
+            </a:pPr>
+            <a:r>
+              <a:rPr lang="vi-VN" sz="3000" dirty="0">
+                <a:latin typeface="+mj-lt"/>
+                <a:ea typeface="Times New Roman" panose="02020603050405020304" pitchFamily="18" charset="0"/>
+                <a:cs typeface="Times New Roman" panose="02020603050405020304" pitchFamily="18" charset="0"/>
+              </a:rPr>
+              <a:t>Mục đích sử dụng trong đề tài: Xây dựng web service, để xử lý các nghiệp vụ theo thười gian thực.</a:t>
+            </a:r>
+            <a:endParaRPr lang="vi-VN" sz="3000" dirty="0">
+              <a:effectLst/>
+              <a:latin typeface="+mj-lt"/>
+              <a:ea typeface="Times New Roman" panose="02020603050405020304" pitchFamily="18" charset="0"/>
+              <a:cs typeface="Times New Roman" panose="02020603050405020304" pitchFamily="18" charset="0"/>
+            </a:endParaRPr>
+          </a:p>
+        </p:txBody>
+      </p:sp>
+      <p:sp>
+        <p:nvSpPr>
+          <p:cNvPr id="4" name="Title 1">
+            <a:extLst>
+              <a:ext uri="{FF2B5EF4-FFF2-40B4-BE49-F238E27FC236}">
+                <a16:creationId xmlns:a16="http://schemas.microsoft.com/office/drawing/2014/main" id="{1A9B04AE-CD48-4F0D-9995-0EBCEC452455}"/>
+              </a:ext>
+            </a:extLst>
+          </p:cNvPr>
+          <p:cNvSpPr txBox="1">
+            <a:spLocks/>
+          </p:cNvSpPr>
+          <p:nvPr/>
+        </p:nvSpPr>
+        <p:spPr>
+          <a:xfrm>
+            <a:off x="152401" y="6212116"/>
+            <a:ext cx="11923486" cy="514438"/>
+          </a:xfrm>
+          <a:prstGeom prst="rect">
+            <a:avLst/>
+          </a:prstGeom>
+        </p:spPr>
+        <p:txBody>
+          <a:bodyPr vert="horz" lIns="91440" tIns="45720" rIns="91440" bIns="45720" rtlCol="0" anchor="b">
+            <a:normAutofit fontScale="90000"/>
+          </a:bodyPr>
+          <a:lstStyle>
+            <a:lvl1pPr algn="ctr" defTabSz="914400" rtl="0" eaLnBrk="1" latinLnBrk="0" hangingPunct="1">
+              <a:lnSpc>
+                <a:spcPct val="90000"/>
+              </a:lnSpc>
+              <a:spcBef>
+                <a:spcPct val="0"/>
+              </a:spcBef>
+              <a:buNone/>
+              <a:defRPr sz="6000" kern="1200">
+                <a:solidFill>
+                  <a:schemeClr val="tx1"/>
+                </a:solidFill>
+                <a:latin typeface="+mj-lt"/>
+                <a:ea typeface="+mj-ea"/>
+                <a:cs typeface="+mj-cs"/>
+              </a:defRPr>
+            </a:lvl1pPr>
+          </a:lstStyle>
+          <a:p>
+            <a:pPr algn="just">
+              <a:lnSpc>
+                <a:spcPct val="100000"/>
+              </a:lnSpc>
+            </a:pPr>
+            <a:r>
+              <a:rPr lang="en-US" sz="1800" b="1" i="1" dirty="0" err="1">
+                <a:latin typeface="Times New Roman" panose="02020603050405020304" pitchFamily="18" charset="0"/>
+                <a:cs typeface="Times New Roman" panose="02020603050405020304" pitchFamily="18" charset="0"/>
+              </a:rPr>
+              <a:t>Khoá</a:t>
+            </a:r>
+            <a:r>
+              <a:rPr lang="en-US" sz="1800" b="1" i="1" dirty="0">
+                <a:latin typeface="Times New Roman" panose="02020603050405020304" pitchFamily="18" charset="0"/>
+                <a:cs typeface="Times New Roman" panose="02020603050405020304" pitchFamily="18" charset="0"/>
+              </a:rPr>
+              <a:t> </a:t>
+            </a:r>
+            <a:r>
+              <a:rPr lang="en-US" sz="1800" b="1" i="1" dirty="0" err="1">
+                <a:latin typeface="Times New Roman" panose="02020603050405020304" pitchFamily="18" charset="0"/>
+                <a:cs typeface="Times New Roman" panose="02020603050405020304" pitchFamily="18" charset="0"/>
+              </a:rPr>
+              <a:t>luận</a:t>
+            </a:r>
+            <a:r>
+              <a:rPr lang="en-US" sz="1800" b="1" i="1" dirty="0">
+                <a:latin typeface="Times New Roman" panose="02020603050405020304" pitchFamily="18" charset="0"/>
+                <a:cs typeface="Times New Roman" panose="02020603050405020304" pitchFamily="18" charset="0"/>
+              </a:rPr>
+              <a:t> </a:t>
+            </a:r>
+            <a:r>
+              <a:rPr lang="en-US" sz="1800" b="1" i="1" dirty="0" err="1">
+                <a:latin typeface="Times New Roman" panose="02020603050405020304" pitchFamily="18" charset="0"/>
+                <a:cs typeface="Times New Roman" panose="02020603050405020304" pitchFamily="18" charset="0"/>
+              </a:rPr>
+              <a:t>tốt</a:t>
+            </a:r>
+            <a:r>
+              <a:rPr lang="en-US" sz="1800" b="1" i="1" dirty="0">
+                <a:latin typeface="Times New Roman" panose="02020603050405020304" pitchFamily="18" charset="0"/>
+                <a:cs typeface="Times New Roman" panose="02020603050405020304" pitchFamily="18" charset="0"/>
+              </a:rPr>
+              <a:t> </a:t>
+            </a:r>
+            <a:r>
+              <a:rPr lang="en-US" sz="1800" b="1" i="1" dirty="0" err="1">
+                <a:latin typeface="Times New Roman" panose="02020603050405020304" pitchFamily="18" charset="0"/>
+                <a:cs typeface="Times New Roman" panose="02020603050405020304" pitchFamily="18" charset="0"/>
+              </a:rPr>
+              <a:t>nghiệp</a:t>
+            </a:r>
+            <a:r>
+              <a:rPr lang="en-US" sz="1800" b="1" i="1" dirty="0">
+                <a:latin typeface="Times New Roman" panose="02020603050405020304" pitchFamily="18" charset="0"/>
+                <a:cs typeface="Times New Roman" panose="02020603050405020304" pitchFamily="18" charset="0"/>
+              </a:rPr>
+              <a:t> 								TP.HCM, </a:t>
+            </a:r>
+            <a:r>
+              <a:rPr lang="en-US" sz="1800" b="1" i="1" dirty="0" err="1">
+                <a:latin typeface="Times New Roman" panose="02020603050405020304" pitchFamily="18" charset="0"/>
+                <a:cs typeface="Times New Roman" panose="02020603050405020304" pitchFamily="18" charset="0"/>
+              </a:rPr>
+              <a:t>tháng</a:t>
+            </a:r>
+            <a:r>
+              <a:rPr lang="en-US" sz="1800" b="1" i="1" dirty="0">
+                <a:latin typeface="Times New Roman" panose="02020603050405020304" pitchFamily="18" charset="0"/>
+                <a:cs typeface="Times New Roman" panose="02020603050405020304" pitchFamily="18" charset="0"/>
+              </a:rPr>
+              <a:t> 01 </a:t>
+            </a:r>
+            <a:r>
+              <a:rPr lang="en-US" sz="1800" b="1" i="1" dirty="0" err="1">
+                <a:latin typeface="Times New Roman" panose="02020603050405020304" pitchFamily="18" charset="0"/>
+                <a:cs typeface="Times New Roman" panose="02020603050405020304" pitchFamily="18" charset="0"/>
+              </a:rPr>
+              <a:t>năm</a:t>
+            </a:r>
+            <a:r>
+              <a:rPr lang="en-US" sz="1800" b="1" i="1" dirty="0">
+                <a:latin typeface="Times New Roman" panose="02020603050405020304" pitchFamily="18" charset="0"/>
+                <a:cs typeface="Times New Roman" panose="02020603050405020304" pitchFamily="18" charset="0"/>
+              </a:rPr>
+              <a:t> 2022</a:t>
+            </a:r>
+          </a:p>
+        </p:txBody>
+      </p:sp>
+    </p:spTree>
+    <p:extLst>
+      <p:ext uri="{BB962C8B-B14F-4D97-AF65-F5344CB8AC3E}">
+        <p14:creationId xmlns:p14="http://schemas.microsoft.com/office/powerpoint/2010/main" val="1934508171"/>
+      </p:ext>
+    </p:extLst>
+  </p:cSld>
+  <p:clrMapOvr>
+    <a:masterClrMapping/>
+  </p:clrMapOvr>
+  <mc:AlternateContent xmlns:mc="http://schemas.openxmlformats.org/markup-compatibility/2006" xmlns:p15="http://schemas.microsoft.com/office/powerpoint/2012/main">
+    <mc:Choice Requires="p15">
+      <p:transition xmlns:p14="http://schemas.microsoft.com/office/powerpoint/2010/main" spd="slow" p14:dur="2000">
+        <p15:prstTrans prst="drape"/>
+      </p:transition>
+    </mc:Choice>
+    <mc:Fallback xmlns="">
+      <p:transition spd="slow">
+        <p:fade/>
+      </p:transition>
+    </mc:Fallback>
+  </mc:AlternateContent>
+  <p:timing>
+    <p:tnLst>
+      <p:par>
+        <p:cTn id="1" dur="indefinite" restart="never" nodeType="tmRoot">
+          <p:childTnLst>
+            <p:seq concurrent="1" nextAc="seek">
+              <p:cTn id="2" dur="indefinite" nodeType="mainSeq">
+                <p:childTnLst>
+                  <p:par>
+                    <p:cTn id="3" fill="hold">
+                      <p:stCondLst>
+                        <p:cond delay="indefinite"/>
+                      </p:stCondLst>
+                      <p:childTnLst>
+                        <p:par>
+                          <p:cTn id="4" fill="hold">
+                            <p:stCondLst>
+                              <p:cond delay="0"/>
+                            </p:stCondLst>
+                            <p:childTnLst>
+                              <p:par>
+                                <p:cTn id="5" presetID="10" presetClass="entr" presetSubtype="0" fill="hold" grpId="0" nodeType="clickEffect">
+                                  <p:stCondLst>
+                                    <p:cond delay="0"/>
+                                  </p:stCondLst>
+                                  <p:childTnLst>
+                                    <p:set>
+                                      <p:cBhvr>
+                                        <p:cTn id="6" dur="1" fill="hold">
+                                          <p:stCondLst>
+                                            <p:cond delay="0"/>
+                                          </p:stCondLst>
+                                        </p:cTn>
+                                        <p:tgtEl>
+                                          <p:spTgt spid="3">
+                                            <p:txEl>
+                                              <p:pRg st="0" end="0"/>
+                                            </p:txEl>
+                                          </p:spTgt>
+                                        </p:tgtEl>
+                                        <p:attrNameLst>
+                                          <p:attrName>style.visibility</p:attrName>
+                                        </p:attrNameLst>
+                                      </p:cBhvr>
+                                      <p:to>
+                                        <p:strVal val="visible"/>
+                                      </p:to>
+                                    </p:set>
+                                    <p:animEffect transition="in" filter="fade">
+                                      <p:cBhvr>
+                                        <p:cTn id="7" dur="500"/>
+                                        <p:tgtEl>
+                                          <p:spTgt spid="3">
+                                            <p:txEl>
+                                              <p:pRg st="0" end="0"/>
+                                            </p:txEl>
+                                          </p:spTgt>
+                                        </p:tgtEl>
+                                      </p:cBhvr>
+                                    </p:animEffect>
+                                  </p:childTnLst>
+                                </p:cTn>
+                              </p:par>
+                            </p:childTnLst>
+                          </p:cTn>
+                        </p:par>
+                      </p:childTnLst>
+                    </p:cTn>
+                  </p:par>
+                  <p:par>
+                    <p:cTn id="8" fill="hold">
+                      <p:stCondLst>
+                        <p:cond delay="indefinite"/>
+                      </p:stCondLst>
+                      <p:childTnLst>
+                        <p:par>
+                          <p:cTn id="9" fill="hold">
+                            <p:stCondLst>
+                              <p:cond delay="0"/>
+                            </p:stCondLst>
+                            <p:childTnLst>
+                              <p:par>
+                                <p:cTn id="10" presetID="10" presetClass="entr" presetSubtype="0" fill="hold" grpId="0" nodeType="clickEffect">
+                                  <p:stCondLst>
+                                    <p:cond delay="0"/>
+                                  </p:stCondLst>
+                                  <p:childTnLst>
+                                    <p:set>
+                                      <p:cBhvr>
+                                        <p:cTn id="11" dur="1" fill="hold">
+                                          <p:stCondLst>
+                                            <p:cond delay="0"/>
+                                          </p:stCondLst>
+                                        </p:cTn>
+                                        <p:tgtEl>
+                                          <p:spTgt spid="3">
+                                            <p:txEl>
+                                              <p:pRg st="1" end="1"/>
+                                            </p:txEl>
+                                          </p:spTgt>
+                                        </p:tgtEl>
+                                        <p:attrNameLst>
+                                          <p:attrName>style.visibility</p:attrName>
+                                        </p:attrNameLst>
+                                      </p:cBhvr>
+                                      <p:to>
+                                        <p:strVal val="visible"/>
+                                      </p:to>
+                                    </p:set>
+                                    <p:animEffect transition="in" filter="fade">
+                                      <p:cBhvr>
+                                        <p:cTn id="12" dur="500"/>
+                                        <p:tgtEl>
+                                          <p:spTgt spid="3">
+                                            <p:txEl>
+                                              <p:pRg st="1" end="1"/>
+                                            </p:txEl>
+                                          </p:spTgt>
+                                        </p:tgtEl>
+                                      </p:cBhvr>
+                                    </p:animEffect>
+                                  </p:childTnLst>
+                                </p:cTn>
+                              </p:par>
+                            </p:childTnLst>
+                          </p:cTn>
+                        </p:par>
+                      </p:childTnLst>
+                    </p:cTn>
+                  </p:par>
+                </p:childTnLst>
+              </p:cTn>
+              <p:prevCondLst>
+                <p:cond evt="onPrev" delay="0">
+                  <p:tgtEl>
+                    <p:sldTgt/>
+                  </p:tgtEl>
+                </p:cond>
+              </p:prevCondLst>
+              <p:nextCondLst>
+                <p:cond evt="onNext" delay="0">
+                  <p:tgtEl>
+                    <p:sldTgt/>
+                  </p:tgtEl>
+                </p:cond>
+              </p:nextCondLst>
+            </p:seq>
+          </p:childTnLst>
+        </p:cTn>
+      </p:par>
+    </p:tnLst>
+    <p:bldLst>
+      <p:bldP spid="3" grpId="0" build="p"/>
+    </p:bldLst>
+  </p:timing>
+</p:sld>
+</file>
+
+<file path=ppt/slides/slide12.xml><?xml version="1.0" encoding="utf-8"?>
+<p:sld xmlns:a="http://schemas.openxmlformats.org/drawingml/2006/main" xmlns:r="http://schemas.openxmlformats.org/officeDocument/2006/relationships" xmlns:p="http://schemas.openxmlformats.org/presentationml/2006/main">
+  <p:cSld>
+    <p:spTree>
+      <p:nvGrpSpPr>
+        <p:cNvPr id="1" name=""/>
+        <p:cNvGrpSpPr/>
+        <p:nvPr/>
+      </p:nvGrpSpPr>
+      <p:grpSpPr>
+        <a:xfrm>
+          <a:off x="0" y="0"/>
+          <a:ext cx="0" cy="0"/>
+          <a:chOff x="0" y="0"/>
+          <a:chExt cx="0" cy="0"/>
+        </a:xfrm>
+      </p:grpSpPr>
+      <p:sp>
+        <p:nvSpPr>
+          <p:cNvPr id="2" name="Title 1">
+            <a:extLst>
+              <a:ext uri="{FF2B5EF4-FFF2-40B4-BE49-F238E27FC236}">
+                <a16:creationId xmlns:a16="http://schemas.microsoft.com/office/drawing/2014/main" id="{F345CD08-7D46-4C8B-9474-70B98129E91D}"/>
+              </a:ext>
+            </a:extLst>
+          </p:cNvPr>
+          <p:cNvSpPr>
+            <a:spLocks noGrp="1"/>
+          </p:cNvSpPr>
+          <p:nvPr>
+            <p:ph type="title"/>
+          </p:nvPr>
+        </p:nvSpPr>
+        <p:spPr>
+          <a:xfrm>
+            <a:off x="838200" y="2368097"/>
+            <a:ext cx="10515600" cy="1325563"/>
+          </a:xfrm>
+        </p:spPr>
+        <p:txBody>
+          <a:bodyPr/>
+          <a:lstStyle/>
+          <a:p>
+            <a:pPr algn="ctr"/>
+            <a:r>
+              <a:rPr lang="en-US" b="1" dirty="0">
+                <a:solidFill>
+                  <a:srgbClr val="FF0000"/>
+                </a:solidFill>
+                <a:latin typeface="Times New Roman" panose="02020603050405020304" pitchFamily="18" charset="0"/>
+                <a:cs typeface="Times New Roman" panose="02020603050405020304" pitchFamily="18" charset="0"/>
+              </a:rPr>
+              <a:t>CHƯƠNG 2</a:t>
+            </a:r>
+            <a:br>
+              <a:rPr lang="en-US" b="1" dirty="0">
+                <a:solidFill>
+                  <a:srgbClr val="FF0000"/>
+                </a:solidFill>
+                <a:latin typeface="Times New Roman" panose="02020603050405020304" pitchFamily="18" charset="0"/>
+                <a:cs typeface="Times New Roman" panose="02020603050405020304" pitchFamily="18" charset="0"/>
+              </a:rPr>
+            </a:br>
+            <a:r>
+              <a:rPr lang="en-US" b="1" dirty="0">
+                <a:solidFill>
+                  <a:srgbClr val="FF0000"/>
+                </a:solidFill>
+                <a:latin typeface="Times New Roman" panose="02020603050405020304" pitchFamily="18" charset="0"/>
+                <a:cs typeface="Times New Roman" panose="02020603050405020304" pitchFamily="18" charset="0"/>
+              </a:rPr>
+              <a:t>PHÂN TÍCH HỆ THỐNG</a:t>
+            </a:r>
+            <a:endParaRPr lang="vi-VN" b="1" dirty="0">
+              <a:solidFill>
+                <a:srgbClr val="FF0000"/>
+              </a:solidFill>
+              <a:latin typeface="Times New Roman" panose="02020603050405020304" pitchFamily="18" charset="0"/>
+              <a:cs typeface="Times New Roman" panose="02020603050405020304" pitchFamily="18" charset="0"/>
+            </a:endParaRPr>
+          </a:p>
+        </p:txBody>
+      </p:sp>
+    </p:spTree>
+    <p:extLst>
+      <p:ext uri="{BB962C8B-B14F-4D97-AF65-F5344CB8AC3E}">
+        <p14:creationId xmlns:p14="http://schemas.microsoft.com/office/powerpoint/2010/main" val="1498705220"/>
+      </p:ext>
+    </p:extLst>
+  </p:cSld>
+  <p:clrMapOvr>
+    <a:masterClrMapping/>
+  </p:clrMapOvr>
+  <p:transition spd="slow">
+    <p:push dir="u"/>
+  </p:transition>
+</p:sld>
+</file>
+
+<file path=ppt/slides/slide13.xml><?xml version="1.0" encoding="utf-8"?>
+<p:sld xmlns:a="http://schemas.openxmlformats.org/drawingml/2006/main" xmlns:r="http://schemas.openxmlformats.org/officeDocument/2006/relationships" xmlns:p="http://schemas.openxmlformats.org/presentationml/2006/main">
+  <p:cSld>
+    <p:spTree>
+      <p:nvGrpSpPr>
+        <p:cNvPr id="1" name=""/>
+        <p:cNvGrpSpPr/>
+        <p:nvPr/>
+      </p:nvGrpSpPr>
+      <p:grpSpPr>
+        <a:xfrm>
+          <a:off x="0" y="0"/>
+          <a:ext cx="0" cy="0"/>
+          <a:chOff x="0" y="0"/>
+          <a:chExt cx="0" cy="0"/>
+        </a:xfrm>
+      </p:grpSpPr>
+      <p:sp>
+        <p:nvSpPr>
+          <p:cNvPr id="2" name="Title 1">
+            <a:extLst>
+              <a:ext uri="{FF2B5EF4-FFF2-40B4-BE49-F238E27FC236}">
+                <a16:creationId xmlns:a16="http://schemas.microsoft.com/office/drawing/2014/main" id="{BCCC19A5-1D78-4ACB-A534-DEDD6F985518}"/>
+              </a:ext>
+            </a:extLst>
+          </p:cNvPr>
+          <p:cNvSpPr>
+            <a:spLocks noGrp="1"/>
+          </p:cNvSpPr>
+          <p:nvPr>
+            <p:ph type="title"/>
+          </p:nvPr>
+        </p:nvSpPr>
+        <p:spPr/>
+        <p:txBody>
+          <a:bodyPr/>
+          <a:lstStyle/>
+          <a:p>
+            <a:r>
+              <a:rPr lang="en-US" b="1" dirty="0">
+                <a:solidFill>
+                  <a:srgbClr val="FF0000"/>
+                </a:solidFill>
+                <a:latin typeface="Times New Roman" panose="02020603050405020304" pitchFamily="18" charset="0"/>
+                <a:cs typeface="Times New Roman" panose="02020603050405020304" pitchFamily="18" charset="0"/>
+              </a:rPr>
+              <a:t>CƠ CẤU TỔ CHỨC HỆ THỐNG?</a:t>
+            </a:r>
+            <a:endParaRPr lang="vi-VN" b="1" dirty="0">
+              <a:solidFill>
+                <a:srgbClr val="FF0000"/>
+              </a:solidFill>
+              <a:latin typeface="Times New Roman" panose="02020603050405020304" pitchFamily="18" charset="0"/>
+              <a:cs typeface="Times New Roman" panose="02020603050405020304" pitchFamily="18" charset="0"/>
+            </a:endParaRPr>
+          </a:p>
+        </p:txBody>
+      </p:sp>
+      <p:sp>
+        <p:nvSpPr>
+          <p:cNvPr id="3" name="Content Placeholder 2">
+            <a:extLst>
+              <a:ext uri="{FF2B5EF4-FFF2-40B4-BE49-F238E27FC236}">
+                <a16:creationId xmlns:a16="http://schemas.microsoft.com/office/drawing/2014/main" id="{0D44B3C0-8EBB-4D16-83CC-837663D0A692}"/>
+              </a:ext>
+            </a:extLst>
+          </p:cNvPr>
+          <p:cNvSpPr>
+            <a:spLocks noGrp="1"/>
+          </p:cNvSpPr>
+          <p:nvPr>
+            <p:ph idx="1"/>
+          </p:nvPr>
+        </p:nvSpPr>
+        <p:spPr>
+          <a:xfrm>
+            <a:off x="838200" y="1605372"/>
+            <a:ext cx="7765869" cy="4351338"/>
           </a:xfrm>
         </p:spPr>
         <p:txBody>
@@ -8307,855 +8877,6 @@
                 <a:ea typeface="Calibri" panose="020F0502020204030204" pitchFamily="34" charset="0"/>
               </a:rPr>
               <a:t>hàng</a:t>
-            </a:r>
-            <a:r>
-              <a:rPr lang="en-US" sz="3000" dirty="0">
-                <a:effectLst/>
-                <a:latin typeface="Times New Roman" panose="02020603050405020304" pitchFamily="18" charset="0"/>
-                <a:ea typeface="Calibri" panose="020F0502020204030204" pitchFamily="34" charset="0"/>
-              </a:rPr>
-              <a:t>.</a:t>
-            </a:r>
-            <a:endParaRPr lang="vi-VN" sz="3000" dirty="0">
-              <a:effectLst/>
-              <a:latin typeface="Times New Roman" panose="02020603050405020304" pitchFamily="18" charset="0"/>
-              <a:ea typeface="Calibri" panose="020F0502020204030204" pitchFamily="34" charset="0"/>
-            </a:endParaRPr>
-          </a:p>
-          <a:p>
-            <a:pPr marL="342900" lvl="0" indent="-342900" algn="just">
-              <a:spcBef>
-                <a:spcPts val="600"/>
-              </a:spcBef>
-              <a:spcAft>
-                <a:spcPts val="600"/>
-              </a:spcAft>
-              <a:buFont typeface="Symbol" panose="05050102010706020507" pitchFamily="18" charset="2"/>
-              <a:buChar char=""/>
-            </a:pPr>
-            <a:r>
-              <a:rPr lang="en-US" sz="3000" dirty="0" err="1">
-                <a:effectLst/>
-                <a:latin typeface="Times New Roman" panose="02020603050405020304" pitchFamily="18" charset="0"/>
-                <a:ea typeface="Calibri" panose="020F0502020204030204" pitchFamily="34" charset="0"/>
-              </a:rPr>
-              <a:t>Nhân</a:t>
-            </a:r>
-            <a:r>
-              <a:rPr lang="en-US" sz="3000" dirty="0">
-                <a:effectLst/>
-                <a:latin typeface="Times New Roman" panose="02020603050405020304" pitchFamily="18" charset="0"/>
-                <a:ea typeface="Calibri" panose="020F0502020204030204" pitchFamily="34" charset="0"/>
-              </a:rPr>
-              <a:t> </a:t>
-            </a:r>
-            <a:r>
-              <a:rPr lang="en-US" sz="3000" dirty="0" err="1">
-                <a:effectLst/>
-                <a:latin typeface="Times New Roman" panose="02020603050405020304" pitchFamily="18" charset="0"/>
-                <a:ea typeface="Calibri" panose="020F0502020204030204" pitchFamily="34" charset="0"/>
-              </a:rPr>
-              <a:t>viên</a:t>
-            </a:r>
-            <a:r>
-              <a:rPr lang="en-US" sz="3000" dirty="0">
-                <a:effectLst/>
-                <a:latin typeface="Times New Roman" panose="02020603050405020304" pitchFamily="18" charset="0"/>
-                <a:ea typeface="Calibri" panose="020F0502020204030204" pitchFamily="34" charset="0"/>
-              </a:rPr>
-              <a:t> </a:t>
-            </a:r>
-            <a:r>
-              <a:rPr lang="en-US" sz="3000" dirty="0" err="1">
-                <a:effectLst/>
-                <a:latin typeface="Times New Roman" panose="02020603050405020304" pitchFamily="18" charset="0"/>
-                <a:ea typeface="Calibri" panose="020F0502020204030204" pitchFamily="34" charset="0"/>
-              </a:rPr>
-              <a:t>kho</a:t>
-            </a:r>
-            <a:r>
-              <a:rPr lang="en-US" sz="3000" dirty="0">
-                <a:effectLst/>
-                <a:latin typeface="Times New Roman" panose="02020603050405020304" pitchFamily="18" charset="0"/>
-                <a:ea typeface="Calibri" panose="020F0502020204030204" pitchFamily="34" charset="0"/>
-              </a:rPr>
-              <a:t>: </a:t>
-            </a:r>
-            <a:r>
-              <a:rPr lang="en-US" sz="3000" dirty="0" err="1">
-                <a:effectLst/>
-                <a:latin typeface="Times New Roman" panose="02020603050405020304" pitchFamily="18" charset="0"/>
-                <a:ea typeface="Calibri" panose="020F0502020204030204" pitchFamily="34" charset="0"/>
-              </a:rPr>
-              <a:t>Xử</a:t>
-            </a:r>
-            <a:r>
-              <a:rPr lang="en-US" sz="3000" dirty="0">
-                <a:effectLst/>
-                <a:latin typeface="Times New Roman" panose="02020603050405020304" pitchFamily="18" charset="0"/>
-                <a:ea typeface="Calibri" panose="020F0502020204030204" pitchFamily="34" charset="0"/>
-              </a:rPr>
-              <a:t> </a:t>
-            </a:r>
-            <a:r>
-              <a:rPr lang="en-US" sz="3000" dirty="0" err="1">
-                <a:effectLst/>
-                <a:latin typeface="Times New Roman" panose="02020603050405020304" pitchFamily="18" charset="0"/>
-                <a:ea typeface="Calibri" panose="020F0502020204030204" pitchFamily="34" charset="0"/>
-              </a:rPr>
-              <a:t>lý</a:t>
-            </a:r>
-            <a:r>
-              <a:rPr lang="en-US" sz="3000" dirty="0">
-                <a:effectLst/>
-                <a:latin typeface="Times New Roman" panose="02020603050405020304" pitchFamily="18" charset="0"/>
-                <a:ea typeface="Calibri" panose="020F0502020204030204" pitchFamily="34" charset="0"/>
-              </a:rPr>
-              <a:t> </a:t>
-            </a:r>
-            <a:r>
-              <a:rPr lang="en-US" sz="3000" dirty="0" err="1">
-                <a:effectLst/>
-                <a:latin typeface="Times New Roman" panose="02020603050405020304" pitchFamily="18" charset="0"/>
-                <a:ea typeface="Calibri" panose="020F0502020204030204" pitchFamily="34" charset="0"/>
-              </a:rPr>
-              <a:t>về</a:t>
-            </a:r>
-            <a:r>
-              <a:rPr lang="en-US" sz="3000" dirty="0">
-                <a:effectLst/>
-                <a:latin typeface="Times New Roman" panose="02020603050405020304" pitchFamily="18" charset="0"/>
-                <a:ea typeface="Calibri" panose="020F0502020204030204" pitchFamily="34" charset="0"/>
-              </a:rPr>
-              <a:t> </a:t>
-            </a:r>
-            <a:r>
-              <a:rPr lang="en-US" sz="3000" dirty="0" err="1">
-                <a:effectLst/>
-                <a:latin typeface="Times New Roman" panose="02020603050405020304" pitchFamily="18" charset="0"/>
-                <a:ea typeface="Calibri" panose="020F0502020204030204" pitchFamily="34" charset="0"/>
-              </a:rPr>
-              <a:t>vấn</a:t>
-            </a:r>
-            <a:r>
-              <a:rPr lang="en-US" sz="3000" dirty="0">
-                <a:effectLst/>
-                <a:latin typeface="Times New Roman" panose="02020603050405020304" pitchFamily="18" charset="0"/>
-                <a:ea typeface="Calibri" panose="020F0502020204030204" pitchFamily="34" charset="0"/>
-              </a:rPr>
-              <a:t> </a:t>
-            </a:r>
-            <a:r>
-              <a:rPr lang="en-US" sz="3000" dirty="0" err="1">
-                <a:effectLst/>
-                <a:latin typeface="Times New Roman" panose="02020603050405020304" pitchFamily="18" charset="0"/>
-                <a:ea typeface="Calibri" panose="020F0502020204030204" pitchFamily="34" charset="0"/>
-              </a:rPr>
-              <a:t>đề</a:t>
-            </a:r>
-            <a:r>
-              <a:rPr lang="en-US" sz="3000" dirty="0">
-                <a:effectLst/>
-                <a:latin typeface="Times New Roman" panose="02020603050405020304" pitchFamily="18" charset="0"/>
-                <a:ea typeface="Calibri" panose="020F0502020204030204" pitchFamily="34" charset="0"/>
-              </a:rPr>
-              <a:t> </a:t>
-            </a:r>
-            <a:r>
-              <a:rPr lang="en-US" sz="3000" dirty="0" err="1">
-                <a:effectLst/>
-                <a:latin typeface="Times New Roman" panose="02020603050405020304" pitchFamily="18" charset="0"/>
-                <a:ea typeface="Calibri" panose="020F0502020204030204" pitchFamily="34" charset="0"/>
-              </a:rPr>
-              <a:t>nhập</a:t>
-            </a:r>
-            <a:r>
-              <a:rPr lang="en-US" sz="3000" dirty="0">
-                <a:effectLst/>
-                <a:latin typeface="Times New Roman" panose="02020603050405020304" pitchFamily="18" charset="0"/>
-                <a:ea typeface="Calibri" panose="020F0502020204030204" pitchFamily="34" charset="0"/>
-              </a:rPr>
-              <a:t> </a:t>
-            </a:r>
-            <a:r>
-              <a:rPr lang="en-US" sz="3000" dirty="0" err="1">
-                <a:effectLst/>
-                <a:latin typeface="Times New Roman" panose="02020603050405020304" pitchFamily="18" charset="0"/>
-                <a:ea typeface="Calibri" panose="020F0502020204030204" pitchFamily="34" charset="0"/>
-              </a:rPr>
-              <a:t>và</a:t>
-            </a:r>
-            <a:r>
-              <a:rPr lang="en-US" sz="3000" dirty="0">
-                <a:effectLst/>
-                <a:latin typeface="Times New Roman" panose="02020603050405020304" pitchFamily="18" charset="0"/>
-                <a:ea typeface="Calibri" panose="020F0502020204030204" pitchFamily="34" charset="0"/>
-              </a:rPr>
-              <a:t> </a:t>
-            </a:r>
-            <a:r>
-              <a:rPr lang="en-US" sz="3000" dirty="0" err="1">
-                <a:effectLst/>
-                <a:latin typeface="Times New Roman" panose="02020603050405020304" pitchFamily="18" charset="0"/>
-                <a:ea typeface="Calibri" panose="020F0502020204030204" pitchFamily="34" charset="0"/>
-              </a:rPr>
-              <a:t>xuất</a:t>
-            </a:r>
-            <a:r>
-              <a:rPr lang="en-US" sz="3000" dirty="0">
-                <a:effectLst/>
-                <a:latin typeface="Times New Roman" panose="02020603050405020304" pitchFamily="18" charset="0"/>
-                <a:ea typeface="Calibri" panose="020F0502020204030204" pitchFamily="34" charset="0"/>
-              </a:rPr>
-              <a:t> </a:t>
-            </a:r>
-            <a:r>
-              <a:rPr lang="en-US" sz="3000" dirty="0" err="1">
-                <a:effectLst/>
-                <a:latin typeface="Times New Roman" panose="02020603050405020304" pitchFamily="18" charset="0"/>
-                <a:ea typeface="Calibri" panose="020F0502020204030204" pitchFamily="34" charset="0"/>
-              </a:rPr>
-              <a:t>hàng</a:t>
-            </a:r>
-            <a:r>
-              <a:rPr lang="en-US" sz="3000" dirty="0">
-                <a:effectLst/>
-                <a:latin typeface="Times New Roman" panose="02020603050405020304" pitchFamily="18" charset="0"/>
-                <a:ea typeface="Calibri" panose="020F0502020204030204" pitchFamily="34" charset="0"/>
-              </a:rPr>
-              <a:t>. Khi </a:t>
-            </a:r>
-            <a:r>
-              <a:rPr lang="en-US" sz="3000" dirty="0" err="1">
-                <a:effectLst/>
-                <a:latin typeface="Times New Roman" panose="02020603050405020304" pitchFamily="18" charset="0"/>
-                <a:ea typeface="Calibri" panose="020F0502020204030204" pitchFamily="34" charset="0"/>
-              </a:rPr>
-              <a:t>nhập</a:t>
-            </a:r>
-            <a:r>
-              <a:rPr lang="en-US" sz="3000" dirty="0">
-                <a:effectLst/>
-                <a:latin typeface="Times New Roman" panose="02020603050405020304" pitchFamily="18" charset="0"/>
-                <a:ea typeface="Calibri" panose="020F0502020204030204" pitchFamily="34" charset="0"/>
-              </a:rPr>
-              <a:t> </a:t>
-            </a:r>
-            <a:r>
-              <a:rPr lang="en-US" sz="3000" dirty="0" err="1">
-                <a:effectLst/>
-                <a:latin typeface="Times New Roman" panose="02020603050405020304" pitchFamily="18" charset="0"/>
-                <a:ea typeface="Calibri" panose="020F0502020204030204" pitchFamily="34" charset="0"/>
-              </a:rPr>
-              <a:t>hàng</a:t>
-            </a:r>
-            <a:r>
-              <a:rPr lang="en-US" sz="3000" dirty="0">
-                <a:effectLst/>
-                <a:latin typeface="Times New Roman" panose="02020603050405020304" pitchFamily="18" charset="0"/>
-                <a:ea typeface="Calibri" panose="020F0502020204030204" pitchFamily="34" charset="0"/>
-              </a:rPr>
-              <a:t> </a:t>
-            </a:r>
-            <a:r>
-              <a:rPr lang="en-US" sz="3000" dirty="0" err="1">
-                <a:effectLst/>
-                <a:latin typeface="Times New Roman" panose="02020603050405020304" pitchFamily="18" charset="0"/>
-                <a:ea typeface="Calibri" panose="020F0502020204030204" pitchFamily="34" charset="0"/>
-              </a:rPr>
-              <a:t>tiến</a:t>
-            </a:r>
-            <a:r>
-              <a:rPr lang="en-US" sz="3000" dirty="0">
-                <a:effectLst/>
-                <a:latin typeface="Times New Roman" panose="02020603050405020304" pitchFamily="18" charset="0"/>
-                <a:ea typeface="Calibri" panose="020F0502020204030204" pitchFamily="34" charset="0"/>
-              </a:rPr>
-              <a:t> </a:t>
-            </a:r>
-            <a:r>
-              <a:rPr lang="en-US" sz="3000" dirty="0" err="1">
-                <a:effectLst/>
-                <a:latin typeface="Times New Roman" panose="02020603050405020304" pitchFamily="18" charset="0"/>
-                <a:ea typeface="Calibri" panose="020F0502020204030204" pitchFamily="34" charset="0"/>
-              </a:rPr>
-              <a:t>hành</a:t>
-            </a:r>
-            <a:r>
-              <a:rPr lang="en-US" sz="3000" dirty="0">
-                <a:effectLst/>
-                <a:latin typeface="Times New Roman" panose="02020603050405020304" pitchFamily="18" charset="0"/>
-                <a:ea typeface="Calibri" panose="020F0502020204030204" pitchFamily="34" charset="0"/>
-              </a:rPr>
-              <a:t> </a:t>
-            </a:r>
-            <a:r>
-              <a:rPr lang="en-US" sz="3000" dirty="0" err="1">
-                <a:effectLst/>
-                <a:latin typeface="Times New Roman" panose="02020603050405020304" pitchFamily="18" charset="0"/>
-                <a:ea typeface="Calibri" panose="020F0502020204030204" pitchFamily="34" charset="0"/>
-              </a:rPr>
-              <a:t>nhập</a:t>
-            </a:r>
-            <a:r>
-              <a:rPr lang="en-US" sz="3000" dirty="0">
-                <a:effectLst/>
-                <a:latin typeface="Times New Roman" panose="02020603050405020304" pitchFamily="18" charset="0"/>
-                <a:ea typeface="Calibri" panose="020F0502020204030204" pitchFamily="34" charset="0"/>
-              </a:rPr>
-              <a:t> </a:t>
-            </a:r>
-            <a:r>
-              <a:rPr lang="en-US" sz="3000" dirty="0" err="1">
-                <a:effectLst/>
-                <a:latin typeface="Times New Roman" panose="02020603050405020304" pitchFamily="18" charset="0"/>
-                <a:ea typeface="Calibri" panose="020F0502020204030204" pitchFamily="34" charset="0"/>
-              </a:rPr>
-              <a:t>vào</a:t>
-            </a:r>
-            <a:r>
-              <a:rPr lang="en-US" sz="3000" dirty="0">
-                <a:effectLst/>
-                <a:latin typeface="Times New Roman" panose="02020603050405020304" pitchFamily="18" charset="0"/>
-                <a:ea typeface="Calibri" panose="020F0502020204030204" pitchFamily="34" charset="0"/>
-              </a:rPr>
-              <a:t> </a:t>
-            </a:r>
-            <a:r>
-              <a:rPr lang="en-US" sz="3000" dirty="0" err="1">
-                <a:effectLst/>
-                <a:latin typeface="Times New Roman" panose="02020603050405020304" pitchFamily="18" charset="0"/>
-                <a:ea typeface="Calibri" panose="020F0502020204030204" pitchFamily="34" charset="0"/>
-              </a:rPr>
-              <a:t>máy</a:t>
-            </a:r>
-            <a:r>
-              <a:rPr lang="en-US" sz="3000" dirty="0">
-                <a:effectLst/>
-                <a:latin typeface="Times New Roman" panose="02020603050405020304" pitchFamily="18" charset="0"/>
-                <a:ea typeface="Calibri" panose="020F0502020204030204" pitchFamily="34" charset="0"/>
-              </a:rPr>
-              <a:t> </a:t>
-            </a:r>
-            <a:r>
-              <a:rPr lang="en-US" sz="3000" dirty="0" err="1">
-                <a:effectLst/>
-                <a:latin typeface="Times New Roman" panose="02020603050405020304" pitchFamily="18" charset="0"/>
-                <a:ea typeface="Calibri" panose="020F0502020204030204" pitchFamily="34" charset="0"/>
-              </a:rPr>
-              <a:t>và</a:t>
-            </a:r>
-            <a:r>
-              <a:rPr lang="en-US" sz="3000" dirty="0">
-                <a:effectLst/>
-                <a:latin typeface="Times New Roman" panose="02020603050405020304" pitchFamily="18" charset="0"/>
-                <a:ea typeface="Calibri" panose="020F0502020204030204" pitchFamily="34" charset="0"/>
-              </a:rPr>
-              <a:t> </a:t>
-            </a:r>
-            <a:r>
-              <a:rPr lang="en-US" sz="3000" dirty="0" err="1">
-                <a:effectLst/>
-                <a:latin typeface="Times New Roman" panose="02020603050405020304" pitchFamily="18" charset="0"/>
-                <a:ea typeface="Calibri" panose="020F0502020204030204" pitchFamily="34" charset="0"/>
-              </a:rPr>
-              <a:t>lập</a:t>
-            </a:r>
-            <a:r>
-              <a:rPr lang="en-US" sz="3000" dirty="0">
-                <a:effectLst/>
-                <a:latin typeface="Times New Roman" panose="02020603050405020304" pitchFamily="18" charset="0"/>
-                <a:ea typeface="Calibri" panose="020F0502020204030204" pitchFamily="34" charset="0"/>
-              </a:rPr>
-              <a:t> </a:t>
-            </a:r>
-            <a:r>
-              <a:rPr lang="en-US" sz="3000" dirty="0" err="1">
-                <a:effectLst/>
-                <a:latin typeface="Times New Roman" panose="02020603050405020304" pitchFamily="18" charset="0"/>
-                <a:ea typeface="Calibri" panose="020F0502020204030204" pitchFamily="34" charset="0"/>
-              </a:rPr>
-              <a:t>phiếu</a:t>
-            </a:r>
-            <a:r>
-              <a:rPr lang="en-US" sz="3000" dirty="0">
-                <a:effectLst/>
-                <a:latin typeface="Times New Roman" panose="02020603050405020304" pitchFamily="18" charset="0"/>
-                <a:ea typeface="Calibri" panose="020F0502020204030204" pitchFamily="34" charset="0"/>
-              </a:rPr>
-              <a:t> </a:t>
-            </a:r>
-            <a:r>
-              <a:rPr lang="en-US" sz="3000" dirty="0" err="1">
-                <a:effectLst/>
-                <a:latin typeface="Times New Roman" panose="02020603050405020304" pitchFamily="18" charset="0"/>
-                <a:ea typeface="Calibri" panose="020F0502020204030204" pitchFamily="34" charset="0"/>
-              </a:rPr>
-              <a:t>nhập</a:t>
-            </a:r>
-            <a:r>
-              <a:rPr lang="en-US" sz="3000" dirty="0">
-                <a:effectLst/>
-                <a:latin typeface="Times New Roman" panose="02020603050405020304" pitchFamily="18" charset="0"/>
-                <a:ea typeface="Calibri" panose="020F0502020204030204" pitchFamily="34" charset="0"/>
-              </a:rPr>
-              <a:t> </a:t>
-            </a:r>
-            <a:r>
-              <a:rPr lang="en-US" sz="3000" dirty="0" err="1">
-                <a:effectLst/>
-                <a:latin typeface="Times New Roman" panose="02020603050405020304" pitchFamily="18" charset="0"/>
-                <a:ea typeface="Calibri" panose="020F0502020204030204" pitchFamily="34" charset="0"/>
-              </a:rPr>
-              <a:t>hàng</a:t>
-            </a:r>
-            <a:r>
-              <a:rPr lang="en-US" sz="3000" dirty="0">
-                <a:effectLst/>
-                <a:latin typeface="Times New Roman" panose="02020603050405020304" pitchFamily="18" charset="0"/>
-                <a:ea typeface="Calibri" panose="020F0502020204030204" pitchFamily="34" charset="0"/>
-              </a:rPr>
-              <a:t> </a:t>
-            </a:r>
-            <a:r>
-              <a:rPr lang="en-US" sz="3000" dirty="0" err="1">
-                <a:effectLst/>
-                <a:latin typeface="Times New Roman" panose="02020603050405020304" pitchFamily="18" charset="0"/>
-                <a:ea typeface="Calibri" panose="020F0502020204030204" pitchFamily="34" charset="0"/>
-              </a:rPr>
-              <a:t>để</a:t>
-            </a:r>
-            <a:r>
-              <a:rPr lang="en-US" sz="3000" dirty="0">
-                <a:effectLst/>
-                <a:latin typeface="Times New Roman" panose="02020603050405020304" pitchFamily="18" charset="0"/>
-                <a:ea typeface="Calibri" panose="020F0502020204030204" pitchFamily="34" charset="0"/>
-              </a:rPr>
-              <a:t> </a:t>
-            </a:r>
-            <a:r>
-              <a:rPr lang="en-US" sz="3000" dirty="0" err="1">
-                <a:effectLst/>
-                <a:latin typeface="Times New Roman" panose="02020603050405020304" pitchFamily="18" charset="0"/>
-                <a:ea typeface="Calibri" panose="020F0502020204030204" pitchFamily="34" charset="0"/>
-              </a:rPr>
-              <a:t>lưu</a:t>
-            </a:r>
-            <a:r>
-              <a:rPr lang="en-US" sz="3000" dirty="0">
-                <a:effectLst/>
-                <a:latin typeface="Times New Roman" panose="02020603050405020304" pitchFamily="18" charset="0"/>
-                <a:ea typeface="Calibri" panose="020F0502020204030204" pitchFamily="34" charset="0"/>
-              </a:rPr>
-              <a:t>. </a:t>
-            </a:r>
-            <a:r>
-              <a:rPr lang="en-US" sz="3000" dirty="0" err="1">
-                <a:effectLst/>
-                <a:latin typeface="Times New Roman" panose="02020603050405020304" pitchFamily="18" charset="0"/>
-                <a:ea typeface="Calibri" panose="020F0502020204030204" pitchFamily="34" charset="0"/>
-              </a:rPr>
-              <a:t>Lập</a:t>
-            </a:r>
-            <a:r>
-              <a:rPr lang="en-US" sz="3000" dirty="0">
-                <a:effectLst/>
-                <a:latin typeface="Times New Roman" panose="02020603050405020304" pitchFamily="18" charset="0"/>
-                <a:ea typeface="Calibri" panose="020F0502020204030204" pitchFamily="34" charset="0"/>
-              </a:rPr>
-              <a:t> </a:t>
-            </a:r>
-            <a:r>
-              <a:rPr lang="en-US" sz="3000" dirty="0" err="1">
-                <a:effectLst/>
-                <a:latin typeface="Times New Roman" panose="02020603050405020304" pitchFamily="18" charset="0"/>
-                <a:ea typeface="Calibri" panose="020F0502020204030204" pitchFamily="34" charset="0"/>
-              </a:rPr>
-              <a:t>các</a:t>
-            </a:r>
-            <a:r>
-              <a:rPr lang="en-US" sz="3000" dirty="0">
-                <a:effectLst/>
-                <a:latin typeface="Times New Roman" panose="02020603050405020304" pitchFamily="18" charset="0"/>
-                <a:ea typeface="Calibri" panose="020F0502020204030204" pitchFamily="34" charset="0"/>
-              </a:rPr>
-              <a:t> </a:t>
-            </a:r>
-            <a:r>
-              <a:rPr lang="en-US" sz="3000" dirty="0" err="1">
-                <a:effectLst/>
-                <a:latin typeface="Times New Roman" panose="02020603050405020304" pitchFamily="18" charset="0"/>
-                <a:ea typeface="Calibri" panose="020F0502020204030204" pitchFamily="34" charset="0"/>
-              </a:rPr>
-              <a:t>hóa</a:t>
-            </a:r>
-            <a:r>
-              <a:rPr lang="en-US" sz="3000" dirty="0">
-                <a:effectLst/>
-                <a:latin typeface="Times New Roman" panose="02020603050405020304" pitchFamily="18" charset="0"/>
-                <a:ea typeface="Calibri" panose="020F0502020204030204" pitchFamily="34" charset="0"/>
-              </a:rPr>
-              <a:t> </a:t>
-            </a:r>
-            <a:r>
-              <a:rPr lang="en-US" sz="3000" dirty="0" err="1">
-                <a:effectLst/>
-                <a:latin typeface="Times New Roman" panose="02020603050405020304" pitchFamily="18" charset="0"/>
-                <a:ea typeface="Calibri" panose="020F0502020204030204" pitchFamily="34" charset="0"/>
-              </a:rPr>
-              <a:t>đơn</a:t>
-            </a:r>
-            <a:r>
-              <a:rPr lang="en-US" sz="3000" dirty="0">
-                <a:effectLst/>
-                <a:latin typeface="Times New Roman" panose="02020603050405020304" pitchFamily="18" charset="0"/>
-                <a:ea typeface="Calibri" panose="020F0502020204030204" pitchFamily="34" charset="0"/>
-              </a:rPr>
-              <a:t> </a:t>
-            </a:r>
-            <a:r>
-              <a:rPr lang="en-US" sz="3000" dirty="0" err="1">
-                <a:effectLst/>
-                <a:latin typeface="Times New Roman" panose="02020603050405020304" pitchFamily="18" charset="0"/>
-                <a:ea typeface="Calibri" panose="020F0502020204030204" pitchFamily="34" charset="0"/>
-              </a:rPr>
-              <a:t>xuất</a:t>
-            </a:r>
-            <a:r>
-              <a:rPr lang="en-US" sz="3000" dirty="0">
-                <a:effectLst/>
-                <a:latin typeface="Times New Roman" panose="02020603050405020304" pitchFamily="18" charset="0"/>
-                <a:ea typeface="Calibri" panose="020F0502020204030204" pitchFamily="34" charset="0"/>
-              </a:rPr>
-              <a:t> </a:t>
-            </a:r>
-            <a:r>
-              <a:rPr lang="en-US" sz="3000" dirty="0" err="1">
-                <a:effectLst/>
-                <a:latin typeface="Times New Roman" panose="02020603050405020304" pitchFamily="18" charset="0"/>
-                <a:ea typeface="Calibri" panose="020F0502020204030204" pitchFamily="34" charset="0"/>
-              </a:rPr>
-              <a:t>hàng</a:t>
-            </a:r>
-            <a:r>
-              <a:rPr lang="en-US" sz="3000" dirty="0">
-                <a:effectLst/>
-                <a:latin typeface="Times New Roman" panose="02020603050405020304" pitchFamily="18" charset="0"/>
-                <a:ea typeface="Calibri" panose="020F0502020204030204" pitchFamily="34" charset="0"/>
-              </a:rPr>
-              <a:t> </a:t>
-            </a:r>
-            <a:r>
-              <a:rPr lang="en-US" sz="3000" dirty="0" err="1">
-                <a:effectLst/>
-                <a:latin typeface="Times New Roman" panose="02020603050405020304" pitchFamily="18" charset="0"/>
-                <a:ea typeface="Calibri" panose="020F0502020204030204" pitchFamily="34" charset="0"/>
-              </a:rPr>
-              <a:t>dựa</a:t>
-            </a:r>
-            <a:r>
-              <a:rPr lang="en-US" sz="3000" dirty="0">
-                <a:effectLst/>
-                <a:latin typeface="Times New Roman" panose="02020603050405020304" pitchFamily="18" charset="0"/>
-                <a:ea typeface="Calibri" panose="020F0502020204030204" pitchFamily="34" charset="0"/>
-              </a:rPr>
-              <a:t> </a:t>
-            </a:r>
-            <a:r>
-              <a:rPr lang="en-US" sz="3000" dirty="0" err="1">
-                <a:effectLst/>
-                <a:latin typeface="Times New Roman" panose="02020603050405020304" pitchFamily="18" charset="0"/>
-                <a:ea typeface="Calibri" panose="020F0502020204030204" pitchFamily="34" charset="0"/>
-              </a:rPr>
-              <a:t>theo</a:t>
-            </a:r>
-            <a:r>
-              <a:rPr lang="en-US" sz="3000" dirty="0">
-                <a:effectLst/>
-                <a:latin typeface="Times New Roman" panose="02020603050405020304" pitchFamily="18" charset="0"/>
-                <a:ea typeface="Calibri" panose="020F0502020204030204" pitchFamily="34" charset="0"/>
-              </a:rPr>
-              <a:t> </a:t>
-            </a:r>
-            <a:r>
-              <a:rPr lang="en-US" sz="3000" dirty="0" err="1">
-                <a:effectLst/>
-                <a:latin typeface="Times New Roman" panose="02020603050405020304" pitchFamily="18" charset="0"/>
-                <a:ea typeface="Calibri" panose="020F0502020204030204" pitchFamily="34" charset="0"/>
-              </a:rPr>
-              <a:t>hóa</a:t>
-            </a:r>
-            <a:r>
-              <a:rPr lang="en-US" sz="3000" dirty="0">
-                <a:effectLst/>
-                <a:latin typeface="Times New Roman" panose="02020603050405020304" pitchFamily="18" charset="0"/>
-                <a:ea typeface="Calibri" panose="020F0502020204030204" pitchFamily="34" charset="0"/>
-              </a:rPr>
-              <a:t> </a:t>
-            </a:r>
-            <a:r>
-              <a:rPr lang="en-US" sz="3000" dirty="0" err="1">
-                <a:effectLst/>
-                <a:latin typeface="Times New Roman" panose="02020603050405020304" pitchFamily="18" charset="0"/>
-                <a:ea typeface="Calibri" panose="020F0502020204030204" pitchFamily="34" charset="0"/>
-              </a:rPr>
-              <a:t>đơn</a:t>
-            </a:r>
-            <a:r>
-              <a:rPr lang="en-US" sz="3000" dirty="0">
-                <a:effectLst/>
-                <a:latin typeface="Times New Roman" panose="02020603050405020304" pitchFamily="18" charset="0"/>
-                <a:ea typeface="Calibri" panose="020F0502020204030204" pitchFamily="34" charset="0"/>
-              </a:rPr>
-              <a:t> </a:t>
-            </a:r>
-            <a:r>
-              <a:rPr lang="en-US" sz="3000" dirty="0" err="1">
-                <a:effectLst/>
-                <a:latin typeface="Times New Roman" panose="02020603050405020304" pitchFamily="18" charset="0"/>
-                <a:ea typeface="Calibri" panose="020F0502020204030204" pitchFamily="34" charset="0"/>
-              </a:rPr>
-              <a:t>đặt</a:t>
-            </a:r>
-            <a:r>
-              <a:rPr lang="en-US" sz="3000" dirty="0">
-                <a:effectLst/>
-                <a:latin typeface="Times New Roman" panose="02020603050405020304" pitchFamily="18" charset="0"/>
-                <a:ea typeface="Calibri" panose="020F0502020204030204" pitchFamily="34" charset="0"/>
-              </a:rPr>
-              <a:t> </a:t>
-            </a:r>
-            <a:r>
-              <a:rPr lang="en-US" sz="3000" dirty="0" err="1">
-                <a:effectLst/>
-                <a:latin typeface="Times New Roman" panose="02020603050405020304" pitchFamily="18" charset="0"/>
-                <a:ea typeface="Calibri" panose="020F0502020204030204" pitchFamily="34" charset="0"/>
-              </a:rPr>
-              <a:t>hàng</a:t>
-            </a:r>
-            <a:r>
-              <a:rPr lang="en-US" sz="3000" dirty="0">
-                <a:effectLst/>
-                <a:latin typeface="Times New Roman" panose="02020603050405020304" pitchFamily="18" charset="0"/>
-                <a:ea typeface="Calibri" panose="020F0502020204030204" pitchFamily="34" charset="0"/>
-              </a:rPr>
-              <a:t> </a:t>
-            </a:r>
-            <a:r>
-              <a:rPr lang="en-US" sz="3000" dirty="0" err="1">
-                <a:effectLst/>
-                <a:latin typeface="Times New Roman" panose="02020603050405020304" pitchFamily="18" charset="0"/>
-                <a:ea typeface="Calibri" panose="020F0502020204030204" pitchFamily="34" charset="0"/>
-              </a:rPr>
-              <a:t>của</a:t>
-            </a:r>
-            <a:r>
-              <a:rPr lang="en-US" sz="3000" dirty="0">
-                <a:effectLst/>
-                <a:latin typeface="Times New Roman" panose="02020603050405020304" pitchFamily="18" charset="0"/>
-                <a:ea typeface="Calibri" panose="020F0502020204030204" pitchFamily="34" charset="0"/>
-              </a:rPr>
-              <a:t> </a:t>
-            </a:r>
-            <a:r>
-              <a:rPr lang="en-US" sz="3000" dirty="0" err="1">
-                <a:effectLst/>
-                <a:latin typeface="Times New Roman" panose="02020603050405020304" pitchFamily="18" charset="0"/>
-                <a:ea typeface="Calibri" panose="020F0502020204030204" pitchFamily="34" charset="0"/>
-              </a:rPr>
-              <a:t>từng</a:t>
-            </a:r>
-            <a:r>
-              <a:rPr lang="en-US" sz="3000" dirty="0">
-                <a:effectLst/>
-                <a:latin typeface="Times New Roman" panose="02020603050405020304" pitchFamily="18" charset="0"/>
-                <a:ea typeface="Calibri" panose="020F0502020204030204" pitchFamily="34" charset="0"/>
-              </a:rPr>
-              <a:t> </a:t>
-            </a:r>
-            <a:r>
-              <a:rPr lang="en-US" sz="3000" dirty="0" err="1">
-                <a:effectLst/>
-                <a:latin typeface="Times New Roman" panose="02020603050405020304" pitchFamily="18" charset="0"/>
-                <a:ea typeface="Calibri" panose="020F0502020204030204" pitchFamily="34" charset="0"/>
-              </a:rPr>
-              <a:t>cửa</a:t>
-            </a:r>
-            <a:r>
-              <a:rPr lang="en-US" sz="3000" dirty="0">
-                <a:effectLst/>
-                <a:latin typeface="Times New Roman" panose="02020603050405020304" pitchFamily="18" charset="0"/>
-                <a:ea typeface="Calibri" panose="020F0502020204030204" pitchFamily="34" charset="0"/>
-              </a:rPr>
-              <a:t> </a:t>
-            </a:r>
-            <a:r>
-              <a:rPr lang="en-US" sz="3000" dirty="0" err="1">
-                <a:effectLst/>
-                <a:latin typeface="Times New Roman" panose="02020603050405020304" pitchFamily="18" charset="0"/>
-                <a:ea typeface="Calibri" panose="020F0502020204030204" pitchFamily="34" charset="0"/>
-              </a:rPr>
-              <a:t>hàng</a:t>
-            </a:r>
-            <a:r>
-              <a:rPr lang="en-US" sz="3000" dirty="0">
-                <a:effectLst/>
-                <a:latin typeface="Times New Roman" panose="02020603050405020304" pitchFamily="18" charset="0"/>
-                <a:ea typeface="Calibri" panose="020F0502020204030204" pitchFamily="34" charset="0"/>
-              </a:rPr>
-              <a:t>. </a:t>
-            </a:r>
-            <a:r>
-              <a:rPr lang="en-US" sz="3000" dirty="0" err="1">
-                <a:effectLst/>
-                <a:latin typeface="Times New Roman" panose="02020603050405020304" pitchFamily="18" charset="0"/>
-                <a:ea typeface="Calibri" panose="020F0502020204030204" pitchFamily="34" charset="0"/>
-              </a:rPr>
-              <a:t>Thống</a:t>
-            </a:r>
-            <a:r>
-              <a:rPr lang="en-US" sz="3000" dirty="0">
-                <a:effectLst/>
-                <a:latin typeface="Times New Roman" panose="02020603050405020304" pitchFamily="18" charset="0"/>
-                <a:ea typeface="Calibri" panose="020F0502020204030204" pitchFamily="34" charset="0"/>
-              </a:rPr>
-              <a:t> </a:t>
-            </a:r>
-            <a:r>
-              <a:rPr lang="en-US" sz="3000" dirty="0" err="1">
-                <a:effectLst/>
-                <a:latin typeface="Times New Roman" panose="02020603050405020304" pitchFamily="18" charset="0"/>
-                <a:ea typeface="Calibri" panose="020F0502020204030204" pitchFamily="34" charset="0"/>
-              </a:rPr>
-              <a:t>kê</a:t>
-            </a:r>
-            <a:r>
-              <a:rPr lang="en-US" sz="3000" dirty="0">
-                <a:effectLst/>
-                <a:latin typeface="Times New Roman" panose="02020603050405020304" pitchFamily="18" charset="0"/>
-                <a:ea typeface="Calibri" panose="020F0502020204030204" pitchFamily="34" charset="0"/>
-              </a:rPr>
-              <a:t> </a:t>
-            </a:r>
-            <a:r>
-              <a:rPr lang="en-US" sz="3000" dirty="0" err="1">
-                <a:effectLst/>
-                <a:latin typeface="Times New Roman" panose="02020603050405020304" pitchFamily="18" charset="0"/>
-                <a:ea typeface="Calibri" panose="020F0502020204030204" pitchFamily="34" charset="0"/>
-              </a:rPr>
-              <a:t>số</a:t>
-            </a:r>
-            <a:r>
-              <a:rPr lang="en-US" sz="3000" dirty="0">
-                <a:effectLst/>
-                <a:latin typeface="Times New Roman" panose="02020603050405020304" pitchFamily="18" charset="0"/>
-                <a:ea typeface="Calibri" panose="020F0502020204030204" pitchFamily="34" charset="0"/>
-              </a:rPr>
-              <a:t> </a:t>
-            </a:r>
-            <a:r>
-              <a:rPr lang="en-US" sz="3000" dirty="0" err="1">
-                <a:effectLst/>
-                <a:latin typeface="Times New Roman" panose="02020603050405020304" pitchFamily="18" charset="0"/>
-                <a:ea typeface="Calibri" panose="020F0502020204030204" pitchFamily="34" charset="0"/>
-              </a:rPr>
-              <a:t>lượng</a:t>
-            </a:r>
-            <a:r>
-              <a:rPr lang="en-US" sz="3000" dirty="0">
-                <a:effectLst/>
-                <a:latin typeface="Times New Roman" panose="02020603050405020304" pitchFamily="18" charset="0"/>
-                <a:ea typeface="Calibri" panose="020F0502020204030204" pitchFamily="34" charset="0"/>
-              </a:rPr>
-              <a:t> </a:t>
-            </a:r>
-            <a:r>
-              <a:rPr lang="en-US" sz="3000" dirty="0" err="1">
-                <a:effectLst/>
-                <a:latin typeface="Times New Roman" panose="02020603050405020304" pitchFamily="18" charset="0"/>
-                <a:ea typeface="Calibri" panose="020F0502020204030204" pitchFamily="34" charset="0"/>
-              </a:rPr>
-              <a:t>hàng</a:t>
-            </a:r>
-            <a:r>
-              <a:rPr lang="en-US" sz="3000" dirty="0">
-                <a:effectLst/>
-                <a:latin typeface="Times New Roman" panose="02020603050405020304" pitchFamily="18" charset="0"/>
-                <a:ea typeface="Calibri" panose="020F0502020204030204" pitchFamily="34" charset="0"/>
-              </a:rPr>
-              <a:t> </a:t>
-            </a:r>
-            <a:r>
-              <a:rPr lang="en-US" sz="3000" dirty="0" err="1">
-                <a:effectLst/>
-                <a:latin typeface="Times New Roman" panose="02020603050405020304" pitchFamily="18" charset="0"/>
-                <a:ea typeface="Calibri" panose="020F0502020204030204" pitchFamily="34" charset="0"/>
-              </a:rPr>
-              <a:t>xuất</a:t>
-            </a:r>
-            <a:r>
-              <a:rPr lang="en-US" sz="3000" dirty="0">
-                <a:effectLst/>
-                <a:latin typeface="Times New Roman" panose="02020603050405020304" pitchFamily="18" charset="0"/>
-                <a:ea typeface="Calibri" panose="020F0502020204030204" pitchFamily="34" charset="0"/>
-              </a:rPr>
-              <a:t> </a:t>
-            </a:r>
-            <a:r>
-              <a:rPr lang="en-US" sz="3000" dirty="0" err="1">
-                <a:effectLst/>
-                <a:latin typeface="Times New Roman" panose="02020603050405020304" pitchFamily="18" charset="0"/>
-                <a:ea typeface="Calibri" panose="020F0502020204030204" pitchFamily="34" charset="0"/>
-              </a:rPr>
-              <a:t>và</a:t>
-            </a:r>
-            <a:r>
-              <a:rPr lang="en-US" sz="3000" dirty="0">
-                <a:effectLst/>
-                <a:latin typeface="Times New Roman" panose="02020603050405020304" pitchFamily="18" charset="0"/>
-                <a:ea typeface="Calibri" panose="020F0502020204030204" pitchFamily="34" charset="0"/>
-              </a:rPr>
-              <a:t> </a:t>
-            </a:r>
-            <a:r>
-              <a:rPr lang="en-US" sz="3000" dirty="0" err="1">
-                <a:effectLst/>
-                <a:latin typeface="Times New Roman" panose="02020603050405020304" pitchFamily="18" charset="0"/>
-                <a:ea typeface="Calibri" panose="020F0502020204030204" pitchFamily="34" charset="0"/>
-              </a:rPr>
-              <a:t>nhập</a:t>
-            </a:r>
-            <a:r>
-              <a:rPr lang="en-US" sz="3000" dirty="0">
-                <a:effectLst/>
-                <a:latin typeface="Times New Roman" panose="02020603050405020304" pitchFamily="18" charset="0"/>
-                <a:ea typeface="Calibri" panose="020F0502020204030204" pitchFamily="34" charset="0"/>
-              </a:rPr>
-              <a:t> </a:t>
-            </a:r>
-            <a:r>
-              <a:rPr lang="en-US" sz="3000" dirty="0" err="1">
-                <a:effectLst/>
-                <a:latin typeface="Times New Roman" panose="02020603050405020304" pitchFamily="18" charset="0"/>
-                <a:ea typeface="Calibri" panose="020F0502020204030204" pitchFamily="34" charset="0"/>
-              </a:rPr>
-              <a:t>định</a:t>
-            </a:r>
-            <a:r>
-              <a:rPr lang="en-US" sz="3000" dirty="0">
-                <a:effectLst/>
-                <a:latin typeface="Times New Roman" panose="02020603050405020304" pitchFamily="18" charset="0"/>
-                <a:ea typeface="Calibri" panose="020F0502020204030204" pitchFamily="34" charset="0"/>
-              </a:rPr>
-              <a:t> </a:t>
-            </a:r>
-            <a:r>
-              <a:rPr lang="en-US" sz="3000" dirty="0" err="1">
-                <a:effectLst/>
-                <a:latin typeface="Times New Roman" panose="02020603050405020304" pitchFamily="18" charset="0"/>
-                <a:ea typeface="Calibri" panose="020F0502020204030204" pitchFamily="34" charset="0"/>
-              </a:rPr>
-              <a:t>kỳ</a:t>
             </a:r>
             <a:r>
               <a:rPr lang="en-US" sz="3000" dirty="0">
@@ -9312,6 +9033,36 @@
           </a:p>
         </p:txBody>
       </p:sp>
+      <p:pic>
+        <p:nvPicPr>
+          <p:cNvPr id="6" name="Picture 5">
+            <a:extLst>
+              <a:ext uri="{FF2B5EF4-FFF2-40B4-BE49-F238E27FC236}">
+                <a16:creationId xmlns:a16="http://schemas.microsoft.com/office/drawing/2014/main" id="{AC108275-9122-4A86-A2FC-C110CDA4BE94}"/>
+              </a:ext>
+            </a:extLst>
+          </p:cNvPr>
+          <p:cNvPicPr>
+            <a:picLocks noChangeAspect="1"/>
+          </p:cNvPicPr>
+          <p:nvPr/>
+        </p:nvPicPr>
+        <p:blipFill>
+          <a:blip r:embed="rId2"/>
+          <a:stretch>
+            <a:fillRect/>
+          </a:stretch>
+        </p:blipFill>
+        <p:spPr>
+          <a:xfrm>
+            <a:off x="8604069" y="1349966"/>
+            <a:ext cx="3471818" cy="4439270"/>
+          </a:xfrm>
+          <a:prstGeom prst="rect">
+            <a:avLst/>
+          </a:prstGeom>
+        </p:spPr>
+      </p:pic>
     </p:spTree>
     <p:extLst>
       <p:ext uri="{BB962C8B-B14F-4D97-AF65-F5344CB8AC3E}">
@@ -9525,27 +9276,359 @@
                       </p:childTnLst>
                     </p:cTn>
                   </p:par>
+                </p:childTnLst>
+              </p:cTn>
+              <p:prevCondLst>
+                <p:cond evt="onPrev" delay="0">
+                  <p:tgtEl>
+                    <p:sldTgt/>
+                  </p:tgtEl>
+                </p:cond>
+              </p:prevCondLst>
+              <p:nextCondLst>
+                <p:cond evt="onNext" delay="0">
+                  <p:tgtEl>
+                    <p:sldTgt/>
+                  </p:tgtEl>
+                </p:cond>
+              </p:nextCondLst>
+            </p:seq>
+          </p:childTnLst>
+        </p:cTn>
+      </p:par>
+    </p:tnLst>
+    <p:bldLst>
+      <p:bldP spid="3" grpId="0" build="p"/>
+    </p:bldLst>
+  </p:timing>
+</p:sld>
+</file>
+
+<file path=ppt/slides/slide14.xml><?xml version="1.0" encoding="utf-8"?>
+<p:sld xmlns:a="http://schemas.openxmlformats.org/drawingml/2006/main" xmlns:r="http://schemas.openxmlformats.org/officeDocument/2006/relationships" xmlns:p="http://schemas.openxmlformats.org/presentationml/2006/main">
+  <p:cSld>
+    <p:spTree>
+      <p:nvGrpSpPr>
+        <p:cNvPr id="1" name=""/>
+        <p:cNvGrpSpPr/>
+        <p:nvPr/>
+      </p:nvGrpSpPr>
+      <p:grpSpPr>
+        <a:xfrm>
+          <a:off x="0" y="0"/>
+          <a:ext cx="0" cy="0"/>
+          <a:chOff x="0" y="0"/>
+          <a:chExt cx="0" cy="0"/>
+        </a:xfrm>
+      </p:grpSpPr>
+      <p:sp>
+        <p:nvSpPr>
+          <p:cNvPr id="2" name="Title 1">
+            <a:extLst>
+              <a:ext uri="{FF2B5EF4-FFF2-40B4-BE49-F238E27FC236}">
+                <a16:creationId xmlns:a16="http://schemas.microsoft.com/office/drawing/2014/main" id="{BCCC19A5-1D78-4ACB-A534-DEDD6F985518}"/>
+              </a:ext>
+            </a:extLst>
+          </p:cNvPr>
+          <p:cNvSpPr>
+            <a:spLocks noGrp="1"/>
+          </p:cNvSpPr>
+          <p:nvPr>
+            <p:ph type="title"/>
+          </p:nvPr>
+        </p:nvSpPr>
+        <p:spPr/>
+        <p:txBody>
+          <a:bodyPr/>
+          <a:lstStyle/>
+          <a:p>
+            <a:r>
+              <a:rPr lang="en-US" b="1" dirty="0">
+                <a:solidFill>
+                  <a:srgbClr val="FF0000"/>
+                </a:solidFill>
+                <a:latin typeface="Times New Roman" panose="02020603050405020304" pitchFamily="18" charset="0"/>
+                <a:cs typeface="Times New Roman" panose="02020603050405020304" pitchFamily="18" charset="0"/>
+              </a:rPr>
+              <a:t>CƠ CẤU TỔ CHỨC HỆ THỐNG?</a:t>
+            </a:r>
+            <a:endParaRPr lang="vi-VN" b="1" dirty="0">
+              <a:solidFill>
+                <a:srgbClr val="FF0000"/>
+              </a:solidFill>
+              <a:latin typeface="Times New Roman" panose="02020603050405020304" pitchFamily="18" charset="0"/>
+              <a:cs typeface="Times New Roman" panose="02020603050405020304" pitchFamily="18" charset="0"/>
+            </a:endParaRPr>
+          </a:p>
+        </p:txBody>
+      </p:sp>
+      <p:sp>
+        <p:nvSpPr>
+          <p:cNvPr id="3" name="Content Placeholder 2">
+            <a:extLst>
+              <a:ext uri="{FF2B5EF4-FFF2-40B4-BE49-F238E27FC236}">
+                <a16:creationId xmlns:a16="http://schemas.microsoft.com/office/drawing/2014/main" id="{0D44B3C0-8EBB-4D16-83CC-837663D0A692}"/>
+              </a:ext>
+            </a:extLst>
+          </p:cNvPr>
+          <p:cNvSpPr>
+            <a:spLocks noGrp="1"/>
+          </p:cNvSpPr>
+          <p:nvPr>
+            <p:ph idx="1"/>
+          </p:nvPr>
+        </p:nvSpPr>
+        <p:spPr>
+          <a:xfrm>
+            <a:off x="838200" y="1605372"/>
+            <a:ext cx="7765869" cy="4351338"/>
+          </a:xfrm>
+        </p:spPr>
+        <p:txBody>
+          <a:bodyPr>
+            <a:noAutofit/>
+          </a:bodyPr>
+          <a:lstStyle/>
+          <a:p>
+            <a:pPr marL="342900" indent="-342900" algn="just">
+              <a:spcBef>
+                <a:spcPts val="600"/>
+              </a:spcBef>
+              <a:spcAft>
+                <a:spcPts val="600"/>
+              </a:spcAft>
+              <a:buFont typeface="Symbol" panose="05050102010706020507" pitchFamily="18" charset="2"/>
+              <a:buChar char=""/>
+            </a:pPr>
+            <a:r>
+              <a:rPr lang="vi-VN" sz="3000" dirty="0">
+                <a:latin typeface="Times New Roman" panose="02020603050405020304" pitchFamily="18" charset="0"/>
+              </a:rPr>
+              <a:t>Nhân viên kho: Xử lý về vấn đề nhập và xuất hàng. Khi nhập hàng tiến hành nhập vào máy và lập phiếu nhập hàng để lưu. Lập các hóa đơn xuất hàng dựa theo hóa đơn đặt hàng của từng cửa hàng. Thống kê số lượng hàng xuất và nhập định kỳ.</a:t>
+            </a:r>
+          </a:p>
+        </p:txBody>
+      </p:sp>
+      <p:sp>
+        <p:nvSpPr>
+          <p:cNvPr id="4" name="Title 1">
+            <a:extLst>
+              <a:ext uri="{FF2B5EF4-FFF2-40B4-BE49-F238E27FC236}">
+                <a16:creationId xmlns:a16="http://schemas.microsoft.com/office/drawing/2014/main" id="{AED38448-9841-4DFF-A837-AA9EF327D61C}"/>
+              </a:ext>
+            </a:extLst>
+          </p:cNvPr>
+          <p:cNvSpPr txBox="1">
+            <a:spLocks/>
+          </p:cNvSpPr>
+          <p:nvPr/>
+        </p:nvSpPr>
+        <p:spPr>
+          <a:xfrm>
+            <a:off x="152401" y="6212116"/>
+            <a:ext cx="11923486" cy="514438"/>
+          </a:xfrm>
+          <a:prstGeom prst="rect">
+            <a:avLst/>
+          </a:prstGeom>
+        </p:spPr>
+        <p:txBody>
+          <a:bodyPr vert="horz" lIns="91440" tIns="45720" rIns="91440" bIns="45720" rtlCol="0" anchor="b">
+            <a:normAutofit fontScale="90000"/>
+          </a:bodyPr>
+          <a:lstStyle>
+            <a:lvl1pPr algn="ctr" defTabSz="914400" rtl="0" eaLnBrk="1" latinLnBrk="0" hangingPunct="1">
+              <a:lnSpc>
+                <a:spcPct val="90000"/>
+              </a:lnSpc>
+              <a:spcBef>
+                <a:spcPct val="0"/>
+              </a:spcBef>
+              <a:buNone/>
+              <a:defRPr sz="6000" kern="1200">
+                <a:solidFill>
+                  <a:schemeClr val="tx1"/>
+                </a:solidFill>
+                <a:latin typeface="+mj-lt"/>
+                <a:ea typeface="+mj-ea"/>
+                <a:cs typeface="+mj-cs"/>
+              </a:defRPr>
+            </a:lvl1pPr>
+          </a:lstStyle>
+          <a:p>
+            <a:pPr algn="just">
+              <a:lnSpc>
+                <a:spcPct val="100000"/>
+              </a:lnSpc>
+            </a:pPr>
+            <a:r>
+              <a:rPr lang="en-US" sz="1800" b="1" i="1" dirty="0" err="1">
+                <a:latin typeface="Times New Roman" panose="02020603050405020304" pitchFamily="18" charset="0"/>
+                <a:cs typeface="Times New Roman" panose="02020603050405020304" pitchFamily="18" charset="0"/>
+              </a:rPr>
+              <a:t>Khoá</a:t>
+            </a:r>
+            <a:r>
+              <a:rPr lang="en-US" sz="1800" b="1" i="1" dirty="0">
+                <a:latin typeface="Times New Roman" panose="02020603050405020304" pitchFamily="18" charset="0"/>
+                <a:cs typeface="Times New Roman" panose="02020603050405020304" pitchFamily="18" charset="0"/>
+              </a:rPr>
+              <a:t> </a:t>
+            </a:r>
+            <a:r>
+              <a:rPr lang="en-US" sz="1800" b="1" i="1" dirty="0" err="1">
+                <a:latin typeface="Times New Roman" panose="02020603050405020304" pitchFamily="18" charset="0"/>
+                <a:cs typeface="Times New Roman" panose="02020603050405020304" pitchFamily="18" charset="0"/>
+              </a:rPr>
+              <a:t>luận</a:t>
+            </a:r>
+            <a:r>
+              <a:rPr lang="en-US" sz="1800" b="1" i="1" dirty="0">
+                <a:latin typeface="Times New Roman" panose="02020603050405020304" pitchFamily="18" charset="0"/>
+                <a:cs typeface="Times New Roman" panose="02020603050405020304" pitchFamily="18" charset="0"/>
+              </a:rPr>
+              <a:t> </a:t>
+            </a:r>
+            <a:r>
+              <a:rPr lang="en-US" sz="1800" b="1" i="1" dirty="0" err="1">
+                <a:latin typeface="Times New Roman" panose="02020603050405020304" pitchFamily="18" charset="0"/>
+                <a:cs typeface="Times New Roman" panose="02020603050405020304" pitchFamily="18" charset="0"/>
+              </a:rPr>
+              <a:t>tốt</a:t>
+            </a:r>
+            <a:r>
+              <a:rPr lang="en-US" sz="1800" b="1" i="1" dirty="0">
+                <a:latin typeface="Times New Roman" panose="02020603050405020304" pitchFamily="18" charset="0"/>
+                <a:cs typeface="Times New Roman" panose="02020603050405020304" pitchFamily="18" charset="0"/>
+              </a:rPr>
+              <a:t> </a:t>
+            </a:r>
+            <a:r>
+              <a:rPr lang="en-US" sz="1800" b="1" i="1" dirty="0" err="1">
+                <a:latin typeface="Times New Roman" panose="02020603050405020304" pitchFamily="18" charset="0"/>
+                <a:cs typeface="Times New Roman" panose="02020603050405020304" pitchFamily="18" charset="0"/>
+              </a:rPr>
+              <a:t>nghiệp</a:t>
+            </a:r>
+            <a:r>
+              <a:rPr lang="en-US" sz="1800" b="1" i="1" dirty="0">
+                <a:latin typeface="Times New Roman" panose="02020603050405020304" pitchFamily="18" charset="0"/>
+                <a:cs typeface="Times New Roman" panose="02020603050405020304" pitchFamily="18" charset="0"/>
+              </a:rPr>
+              <a:t> 								TP.HCM, </a:t>
+            </a:r>
+            <a:r>
+              <a:rPr lang="en-US" sz="1800" b="1" i="1" dirty="0" err="1">
+                <a:latin typeface="Times New Roman" panose="02020603050405020304" pitchFamily="18" charset="0"/>
+                <a:cs typeface="Times New Roman" panose="02020603050405020304" pitchFamily="18" charset="0"/>
+              </a:rPr>
+              <a:t>tháng</a:t>
+            </a:r>
+            <a:r>
+              <a:rPr lang="en-US" sz="1800" b="1" i="1" dirty="0">
+                <a:latin typeface="Times New Roman" panose="02020603050405020304" pitchFamily="18" charset="0"/>
+                <a:cs typeface="Times New Roman" panose="02020603050405020304" pitchFamily="18" charset="0"/>
+              </a:rPr>
+              <a:t> 01 </a:t>
+            </a:r>
+            <a:r>
+              <a:rPr lang="en-US" sz="1800" b="1" i="1" dirty="0" err="1">
+                <a:latin typeface="Times New Roman" panose="02020603050405020304" pitchFamily="18" charset="0"/>
+                <a:cs typeface="Times New Roman" panose="02020603050405020304" pitchFamily="18" charset="0"/>
+              </a:rPr>
+              <a:t>năm</a:t>
+            </a:r>
+            <a:r>
+              <a:rPr lang="en-US" sz="1800" b="1" i="1" dirty="0">
+                <a:latin typeface="Times New Roman" panose="02020603050405020304" pitchFamily="18" charset="0"/>
+                <a:cs typeface="Times New Roman" panose="02020603050405020304" pitchFamily="18" charset="0"/>
+              </a:rPr>
+              <a:t> 2022</a:t>
+            </a:r>
+          </a:p>
+        </p:txBody>
+      </p:sp>
+      <p:pic>
+        <p:nvPicPr>
+          <p:cNvPr id="6" name="Picture 5">
+            <a:extLst>
+              <a:ext uri="{FF2B5EF4-FFF2-40B4-BE49-F238E27FC236}">
+                <a16:creationId xmlns:a16="http://schemas.microsoft.com/office/drawing/2014/main" id="{215A41CB-20D3-4C44-BC46-A333C9BA4166}"/>
+              </a:ext>
+            </a:extLst>
+          </p:cNvPr>
+          <p:cNvPicPr>
+            <a:picLocks noChangeAspect="1"/>
+          </p:cNvPicPr>
+          <p:nvPr/>
+        </p:nvPicPr>
+        <p:blipFill>
+          <a:blip r:embed="rId2"/>
+          <a:stretch>
+            <a:fillRect/>
+          </a:stretch>
+        </p:blipFill>
+        <p:spPr>
+          <a:xfrm>
+            <a:off x="8604069" y="1349966"/>
+            <a:ext cx="3471818" cy="4439270"/>
+          </a:xfrm>
+          <a:prstGeom prst="rect">
+            <a:avLst/>
+          </a:prstGeom>
+        </p:spPr>
+      </p:pic>
+    </p:spTree>
+    <p:extLst>
+      <p:ext uri="{BB962C8B-B14F-4D97-AF65-F5344CB8AC3E}">
+        <p14:creationId xmlns:p14="http://schemas.microsoft.com/office/powerpoint/2010/main" val="218325523"/>
+      </p:ext>
+    </p:extLst>
+  </p:cSld>
+  <p:clrMapOvr>
+    <a:masterClrMapping/>
+  </p:clrMapOvr>
+  <mc:AlternateContent xmlns:mc="http://schemas.openxmlformats.org/markup-compatibility/2006">
+    <mc:Choice xmlns:p15="http://schemas.microsoft.com/office/powerpoint/2012/main" Requires="p15">
+      <p:transition xmlns:p14="http://schemas.microsoft.com/office/powerpoint/2010/main" spd="slow" p14:dur="6000">
+        <p15:prstTrans prst="curtains"/>
+      </p:transition>
+    </mc:Choice>
+    <mc:Fallback>
+      <p:transition spd="slow">
+        <p:fade/>
+      </p:transition>
+    </mc:Fallback>
+  </mc:AlternateContent>
+  <p:timing>
+    <p:tnLst>
+      <p:par>
+        <p:cTn id="1" dur="indefinite" restart="never" nodeType="tmRoot">
+          <p:childTnLst>
+            <p:seq concurrent="1" nextAc="seek">
+              <p:cTn id="2" dur="indefinite" nodeType="mainSeq">
+                <p:childTnLst>
                   <p:par>
-                    <p:cTn id="18" fill="hold">
+                    <p:cTn id="3" fill="hold">
                       <p:stCondLst>
                         <p:cond delay="indefinite"/>
                       </p:stCondLst>
                       <p:childTnLst>
                         <p:par>
-                          <p:cTn id="19" fill="hold">
+                          <p:cTn id="4" fill="hold">
                             <p:stCondLst>
                               <p:cond delay="0"/>
                             </p:stCondLst>
                             <p:childTnLst>
                               <p:par>
-                                <p:cTn id="20" presetID="14" presetClass="entr" presetSubtype="10" fill="hold" grpId="0" nodeType="clickEffect">
+                                <p:cTn id="5" presetID="14" presetClass="entr" presetSubtype="10" fill="hold" grpId="0" nodeType="clickEffect">
                                   <p:stCondLst>
                                     <p:cond delay="0"/>
                                   </p:stCondLst>
                                   <p:childTnLst>
                                     <p:set>
                                       <p:cBhvr>
-                                        <p:cTn id="21" dur="1" fill="hold">
+                                        <p:cTn id="6" dur="1" fill="hold">
                                           <p:stCondLst>
                                             <p:cond delay="0"/>
                                           </p:stCondLst>
@@ -9553,7 +9636,7 @@
                                         <p:tgtEl>
                                           <p:spTgt spid="3">
                                             <p:txEl>
-                                              <p:pRg st="3" end="3"/>
+                                              <p:pRg st="0" end="0"/>
                                             </p:txEl>
                                           </p:spTgt>
                                         </p:tgtEl>
@@ -9567,11 +9650,11 @@
                                     </p:set>
                                     <p:animEffect transition="in" filter="randombar(horizontal)">
                                       <p:cBhvr>
-                                        <p:cTn id="22" dur="500"/>
+                                        <p:cTn id="7" dur="500"/>
                                         <p:tgtEl>
                                           <p:spTgt spid="3">
                                             <p:txEl>
-                                              <p:pRg st="3" end="3"/>
+                                              <p:pRg st="0" end="0"/>
                                             </p:txEl>
                                           </p:spTgt>
                                         </p:tgtEl>
@@ -9614,106 +9697,7 @@
 </p:sld>
 </file>
 
-<file path=ppt/slides/slide12.xml><?xml version="1.0" encoding="utf-8"?>
-<p:sld xmlns:a="http://schemas.openxmlformats.org/drawingml/2006/main" xmlns:r="http://schemas.openxmlformats.org/officeDocument/2006/relationships" xmlns:p="http://schemas.openxmlformats.org/presentationml/2006/main">
-  <p:cSld>
-    <p:spTree>
-      <p:nvGrpSpPr>
-        <p:cNvPr id="1" name=""/>
-        <p:cNvGrpSpPr/>
-        <p:nvPr/>
-      </p:nvGrpSpPr>
-      <p:grpSpPr>
-        <a:xfrm>
-          <a:off x="0" y="0"/>
-          <a:ext cx="0" cy="0"/>
-          <a:chOff x="0" y="0"/>
-          <a:chExt cx="0" cy="0"/>
-        </a:xfrm>
-      </p:grpSpPr>
-      <p:sp>
-        <p:nvSpPr>
-          <p:cNvPr id="2" name="Title 1">
-            <a:extLst>
-              <a:ext uri="{FF2B5EF4-FFF2-40B4-BE49-F238E27FC236}">
-                <a16:creationId xmlns:a16="http://schemas.microsoft.com/office/drawing/2014/main" id="{F345CD08-7D46-4C8B-9474-70B98129E91D}"/>
-              </a:ext>
-            </a:extLst>
-          </p:cNvPr>
-          <p:cNvSpPr>
-            <a:spLocks noGrp="1"/>
-          </p:cNvSpPr>
-          <p:nvPr>
-            <p:ph type="title"/>
-          </p:nvPr>
-        </p:nvSpPr>
-        <p:spPr>
-          <a:xfrm>
-            <a:off x="838200" y="2368097"/>
-            <a:ext cx="10515600" cy="1325563"/>
-          </a:xfrm>
-        </p:spPr>
-        <p:txBody>
-          <a:bodyPr/>
-          <a:lstStyle/>
-          <a:p>
-            <a:pPr algn="ctr"/>
-            <a:r>
-              <a:rPr lang="en-US" b="1" dirty="0">
-                <a:solidFill>
-                  <a:srgbClr val="FF0000"/>
-                </a:solidFill>
-                <a:latin typeface="Times New Roman" panose="02020603050405020304" pitchFamily="18" charset="0"/>
-                <a:cs typeface="Times New Roman" panose="02020603050405020304" pitchFamily="18" charset="0"/>
-              </a:rPr>
-              <a:t>CHƯƠNG 2</a:t>
-            </a:r>
-            <a:br>
-              <a:rPr lang="en-US" b="1" dirty="0">
-                <a:solidFill>
-                  <a:srgbClr val="FF0000"/>
-                </a:solidFill>
-                <a:latin typeface="Times New Roman" panose="02020603050405020304" pitchFamily="18" charset="0"/>
-                <a:cs typeface="Times New Roman" panose="02020603050405020304" pitchFamily="18" charset="0"/>
-              </a:rPr>
-            </a:br>
-            <a:r>
-              <a:rPr lang="en-US" b="1" dirty="0">
-                <a:solidFill>
-                  <a:srgbClr val="FF0000"/>
-                </a:solidFill>
-                <a:latin typeface="Times New Roman" panose="02020603050405020304" pitchFamily="18" charset="0"/>
-                <a:cs typeface="Times New Roman" panose="02020603050405020304" pitchFamily="18" charset="0"/>
-              </a:rPr>
-              <a:t>PHÂN TÍCH HỆ THỐNG</a:t>
-            </a:r>
-            <a:endParaRPr lang="vi-VN" b="1" dirty="0">
-              <a:solidFill>
-                <a:srgbClr val="FF0000"/>
-              </a:solidFill>
-              <a:latin typeface="Times New Roman" panose="02020603050405020304" pitchFamily="18" charset="0"/>
-              <a:cs typeface="Times New Roman" panose="02020603050405020304" pitchFamily="18" charset="0"/>
-            </a:endParaRPr>
-          </a:p>
-        </p:txBody>
-      </p:sp>
-    </p:spTree>
-    <p:extLst>
-      <p:ext uri="{BB962C8B-B14F-4D97-AF65-F5344CB8AC3E}">
-        <p14:creationId xmlns:p14="http://schemas.microsoft.com/office/powerpoint/2010/main" val="1498705220"/>
-      </p:ext>
-    </p:extLst>
-  </p:cSld>
-  <p:clrMapOvr>
-    <a:masterClrMapping/>
-  </p:clrMapOvr>
-  <p:transition spd="slow">
-    <p:push dir="u"/>
-  </p:transition>
-</p:sld>
-</file>
-
-<file path=ppt/slides/slide13.xml><?xml version="1.0" encoding="utf-8"?>
+<file path=ppt/slides/slide15.xml><?xml version="1.0" encoding="utf-8"?>
 <p:sld xmlns:a="http://schemas.openxmlformats.org/drawingml/2006/main" xmlns:r="http://schemas.openxmlformats.org/officeDocument/2006/relationships" xmlns:p="http://schemas.openxmlformats.org/presentationml/2006/main">
   <p:cSld>
     <p:spTree>
@@ -9811,7 +9795,7 @@
 </p:sld>
 </file>
 
-<file path=ppt/slides/slide14.xml><?xml version="1.0" encoding="utf-8"?>
+<file path=ppt/slides/slide16.xml><?xml version="1.0" encoding="utf-8"?>
 <p:sld xmlns:a="http://schemas.openxmlformats.org/drawingml/2006/main" xmlns:r="http://schemas.openxmlformats.org/officeDocument/2006/relationships" xmlns:p="http://schemas.openxmlformats.org/presentationml/2006/main">
   <p:cSld>
     <p:spTree>
@@ -10004,10 +9988,10 @@
       </p:sp>
       <p:pic>
         <p:nvPicPr>
-          <p:cNvPr id="4" name="Picture 3">
+          <p:cNvPr id="6" name="Picture 5">
             <a:extLst>
               <a:ext uri="{FF2B5EF4-FFF2-40B4-BE49-F238E27FC236}">
-                <a16:creationId xmlns:a16="http://schemas.microsoft.com/office/drawing/2014/main" id="{DEF443EB-2A52-4CC3-AAF0-5BF9D5B7B948}"/>
+                <a16:creationId xmlns:a16="http://schemas.microsoft.com/office/drawing/2014/main" id="{8ADEFB1C-3A61-4C4C-B293-F70A522438F4}"/>
               </a:ext>
             </a:extLst>
           </p:cNvPr>
@@ -10024,8 +10008,8 @@
         </p:blipFill>
         <p:spPr>
           <a:xfrm>
-            <a:off x="18144" y="1071451"/>
-            <a:ext cx="12192000" cy="5581900"/>
+            <a:off x="-257175" y="1238007"/>
+            <a:ext cx="12954000" cy="5254868"/>
           </a:xfrm>
           <a:prstGeom prst="rect">
             <a:avLst/>
@@ -10048,7 +10032,7 @@
 </p:sld>
 </file>
 
-<file path=ppt/slides/slide15.xml><?xml version="1.0" encoding="utf-8"?>
+<file path=ppt/slides/slide17.xml><?xml version="1.0" encoding="utf-8"?>
 <p:sld xmlns:a="http://schemas.openxmlformats.org/drawingml/2006/main" xmlns:r="http://schemas.openxmlformats.org/officeDocument/2006/relationships" xmlns:p="http://schemas.openxmlformats.org/presentationml/2006/main">
   <p:cSld>
     <p:spTree>
@@ -10285,7 +10269,7 @@
 </p:sld>
 </file>
 
-<file path=ppt/slides/slide16.xml><?xml version="1.0" encoding="utf-8"?>
+<file path=ppt/slides/slide18.xml><?xml version="1.0" encoding="utf-8"?>
 <p:sld xmlns:a="http://schemas.openxmlformats.org/drawingml/2006/main" xmlns:r="http://schemas.openxmlformats.org/officeDocument/2006/relationships" xmlns:p="http://schemas.openxmlformats.org/presentationml/2006/main">
   <p:cSld>
     <p:spTree>
@@ -13037,7 +13021,7 @@
                 <a:ea typeface="Times New Roman" panose="02020603050405020304" pitchFamily="18" charset="0"/>
                 <a:cs typeface="Times New Roman" panose="02020603050405020304" pitchFamily="18" charset="0"/>
               </a:rPr>
-              <a:t>các ngôn ngữ và thư viện: Javascript, Lumen PHP, React JS, React Native.</a:t>
+              <a:t>các ngôn ngữ và thư viện: Javascript, Lumen PHP, React JS, React Native, MySQL.</a:t>
             </a:r>
           </a:p>
           <a:p>
@@ -13235,7 +13219,7 @@
         </p:blipFill>
         <p:spPr bwMode="auto">
           <a:xfrm>
-            <a:off x="838200" y="3618683"/>
+            <a:off x="874547" y="4184241"/>
             <a:ext cx="2914650" cy="1466850"/>
           </a:xfrm>
           <a:prstGeom prst="rect">
@@ -13281,7 +13265,7 @@
         </p:blipFill>
         <p:spPr>
           <a:xfrm>
-            <a:off x="3971109" y="3759970"/>
+            <a:off x="3980909" y="4279805"/>
             <a:ext cx="3087188" cy="1157696"/>
           </a:xfrm>
           <a:prstGeom prst="rect">
@@ -13317,7 +13301,7 @@
         </p:blipFill>
         <p:spPr>
           <a:xfrm>
-            <a:off x="7422121" y="3759970"/>
+            <a:off x="7430316" y="4279805"/>
             <a:ext cx="2034061" cy="1157697"/>
           </a:xfrm>
           <a:prstGeom prst="rect">
@@ -13353,7 +13337,7 @@
         </p:blipFill>
         <p:spPr>
           <a:xfrm>
-            <a:off x="9690799" y="3759968"/>
+            <a:off x="9826596" y="4279805"/>
             <a:ext cx="1881260" cy="1157698"/>
           </a:xfrm>
           <a:prstGeom prst="rect">
@@ -13695,6 +13679,257 @@
                 <a:latin typeface="Times New Roman" panose="02020603050405020304" pitchFamily="18" charset="0"/>
                 <a:cs typeface="Times New Roman" panose="02020603050405020304" pitchFamily="18" charset="0"/>
               </a:rPr>
+              <a:t>HỆ THỐNG ?</a:t>
+            </a:r>
+            <a:endParaRPr lang="vi-VN" b="1" dirty="0">
+              <a:solidFill>
+                <a:srgbClr val="FF0000"/>
+              </a:solidFill>
+              <a:latin typeface="Times New Roman" panose="02020603050405020304" pitchFamily="18" charset="0"/>
+              <a:cs typeface="Times New Roman" panose="02020603050405020304" pitchFamily="18" charset="0"/>
+            </a:endParaRPr>
+          </a:p>
+        </p:txBody>
+      </p:sp>
+      <p:sp>
+        <p:nvSpPr>
+          <p:cNvPr id="4" name="Title 1">
+            <a:extLst>
+              <a:ext uri="{FF2B5EF4-FFF2-40B4-BE49-F238E27FC236}">
+                <a16:creationId xmlns:a16="http://schemas.microsoft.com/office/drawing/2014/main" id="{302C26B2-2A3B-4486-8FA8-CC2B8E59D42A}"/>
+              </a:ext>
+            </a:extLst>
+          </p:cNvPr>
+          <p:cNvSpPr txBox="1">
+            <a:spLocks/>
+          </p:cNvSpPr>
+          <p:nvPr/>
+        </p:nvSpPr>
+        <p:spPr>
+          <a:xfrm>
+            <a:off x="152401" y="6212116"/>
+            <a:ext cx="11923486" cy="514438"/>
+          </a:xfrm>
+          <a:prstGeom prst="rect">
+            <a:avLst/>
+          </a:prstGeom>
+        </p:spPr>
+        <p:txBody>
+          <a:bodyPr vert="horz" lIns="91440" tIns="45720" rIns="91440" bIns="45720" rtlCol="0" anchor="b">
+            <a:normAutofit fontScale="90000"/>
+          </a:bodyPr>
+          <a:lstStyle>
+            <a:lvl1pPr algn="ctr" defTabSz="914400" rtl="0" eaLnBrk="1" latinLnBrk="0" hangingPunct="1">
+              <a:lnSpc>
+                <a:spcPct val="90000"/>
+              </a:lnSpc>
+              <a:spcBef>
+                <a:spcPct val="0"/>
+              </a:spcBef>
+              <a:buNone/>
+              <a:defRPr sz="6000" kern="1200">
+                <a:solidFill>
+                  <a:schemeClr val="tx1"/>
+                </a:solidFill>
+                <a:latin typeface="+mj-lt"/>
+                <a:ea typeface="+mj-ea"/>
+                <a:cs typeface="+mj-cs"/>
+              </a:defRPr>
+            </a:lvl1pPr>
+          </a:lstStyle>
+          <a:p>
+            <a:pPr algn="just">
+              <a:lnSpc>
+                <a:spcPct val="100000"/>
+              </a:lnSpc>
+            </a:pPr>
+            <a:r>
+              <a:rPr lang="en-US" sz="1800" b="1" i="1" dirty="0" err="1">
+                <a:latin typeface="Times New Roman" panose="02020603050405020304" pitchFamily="18" charset="0"/>
+                <a:cs typeface="Times New Roman" panose="02020603050405020304" pitchFamily="18" charset="0"/>
+              </a:rPr>
+              <a:t>Khoá</a:t>
+            </a:r>
+            <a:r>
+              <a:rPr lang="en-US" sz="1800" b="1" i="1" dirty="0">
+                <a:latin typeface="Times New Roman" panose="02020603050405020304" pitchFamily="18" charset="0"/>
+                <a:cs typeface="Times New Roman" panose="02020603050405020304" pitchFamily="18" charset="0"/>
+              </a:rPr>
+              <a:t> </a:t>
+            </a:r>
+            <a:r>
+              <a:rPr lang="en-US" sz="1800" b="1" i="1" dirty="0" err="1">
+                <a:latin typeface="Times New Roman" panose="02020603050405020304" pitchFamily="18" charset="0"/>
+                <a:cs typeface="Times New Roman" panose="02020603050405020304" pitchFamily="18" charset="0"/>
+              </a:rPr>
+              <a:t>luận</a:t>
+            </a:r>
+            <a:r>
+              <a:rPr lang="en-US" sz="1800" b="1" i="1" dirty="0">
+                <a:latin typeface="Times New Roman" panose="02020603050405020304" pitchFamily="18" charset="0"/>
+                <a:cs typeface="Times New Roman" panose="02020603050405020304" pitchFamily="18" charset="0"/>
+              </a:rPr>
+              <a:t> </a:t>
+            </a:r>
+            <a:r>
+              <a:rPr lang="en-US" sz="1800" b="1" i="1" dirty="0" err="1">
+                <a:latin typeface="Times New Roman" panose="02020603050405020304" pitchFamily="18" charset="0"/>
+                <a:cs typeface="Times New Roman" panose="02020603050405020304" pitchFamily="18" charset="0"/>
+              </a:rPr>
+              <a:t>tốt</a:t>
+            </a:r>
+            <a:r>
+              <a:rPr lang="en-US" sz="1800" b="1" i="1" dirty="0">
+                <a:latin typeface="Times New Roman" panose="02020603050405020304" pitchFamily="18" charset="0"/>
+                <a:cs typeface="Times New Roman" panose="02020603050405020304" pitchFamily="18" charset="0"/>
+              </a:rPr>
+              <a:t> </a:t>
+            </a:r>
+            <a:r>
+              <a:rPr lang="en-US" sz="1800" b="1" i="1" dirty="0" err="1">
+                <a:latin typeface="Times New Roman" panose="02020603050405020304" pitchFamily="18" charset="0"/>
+                <a:cs typeface="Times New Roman" panose="02020603050405020304" pitchFamily="18" charset="0"/>
+              </a:rPr>
+              <a:t>nghiệp</a:t>
+            </a:r>
+            <a:r>
+              <a:rPr lang="en-US" sz="1800" b="1" i="1" dirty="0">
+                <a:latin typeface="Times New Roman" panose="02020603050405020304" pitchFamily="18" charset="0"/>
+                <a:cs typeface="Times New Roman" panose="02020603050405020304" pitchFamily="18" charset="0"/>
+              </a:rPr>
+              <a:t> 								TP.HCM, </a:t>
+            </a:r>
+            <a:r>
+              <a:rPr lang="en-US" sz="1800" b="1" i="1" dirty="0" err="1">
+                <a:latin typeface="Times New Roman" panose="02020603050405020304" pitchFamily="18" charset="0"/>
+                <a:cs typeface="Times New Roman" panose="02020603050405020304" pitchFamily="18" charset="0"/>
+              </a:rPr>
+              <a:t>tháng</a:t>
+            </a:r>
+            <a:r>
+              <a:rPr lang="en-US" sz="1800" b="1" i="1" dirty="0">
+                <a:latin typeface="Times New Roman" panose="02020603050405020304" pitchFamily="18" charset="0"/>
+                <a:cs typeface="Times New Roman" panose="02020603050405020304" pitchFamily="18" charset="0"/>
+              </a:rPr>
+              <a:t> 01 </a:t>
+            </a:r>
+            <a:r>
+              <a:rPr lang="en-US" sz="1800" b="1" i="1" dirty="0" err="1">
+                <a:latin typeface="Times New Roman" panose="02020603050405020304" pitchFamily="18" charset="0"/>
+                <a:cs typeface="Times New Roman" panose="02020603050405020304" pitchFamily="18" charset="0"/>
+              </a:rPr>
+              <a:t>năm</a:t>
+            </a:r>
+            <a:r>
+              <a:rPr lang="en-US" sz="1800" b="1" i="1" dirty="0">
+                <a:latin typeface="Times New Roman" panose="02020603050405020304" pitchFamily="18" charset="0"/>
+                <a:cs typeface="Times New Roman" panose="02020603050405020304" pitchFamily="18" charset="0"/>
+              </a:rPr>
+              <a:t> 2022</a:t>
+            </a:r>
+          </a:p>
+        </p:txBody>
+      </p:sp>
+      <p:pic>
+        <p:nvPicPr>
+          <p:cNvPr id="6" name="Picture 5">
+            <a:extLst>
+              <a:ext uri="{FF2B5EF4-FFF2-40B4-BE49-F238E27FC236}">
+                <a16:creationId xmlns:a16="http://schemas.microsoft.com/office/drawing/2014/main" id="{4081CB03-8DB1-4FD6-990F-760E2F354E44}"/>
+              </a:ext>
+            </a:extLst>
+          </p:cNvPr>
+          <p:cNvPicPr>
+            <a:picLocks noChangeAspect="1"/>
+          </p:cNvPicPr>
+          <p:nvPr/>
+        </p:nvPicPr>
+        <p:blipFill rotWithShape="1">
+          <a:blip r:embed="rId2"/>
+          <a:srcRect l="826"/>
+          <a:stretch/>
+        </p:blipFill>
+        <p:spPr>
+          <a:xfrm>
+            <a:off x="1733006" y="1436451"/>
+            <a:ext cx="7973802" cy="5029902"/>
+          </a:xfrm>
+          <a:prstGeom prst="rect">
+            <a:avLst/>
+          </a:prstGeom>
+        </p:spPr>
+      </p:pic>
+    </p:spTree>
+    <p:extLst>
+      <p:ext uri="{BB962C8B-B14F-4D97-AF65-F5344CB8AC3E}">
+        <p14:creationId xmlns:p14="http://schemas.microsoft.com/office/powerpoint/2010/main" val="666568117"/>
+      </p:ext>
+    </p:extLst>
+  </p:cSld>
+  <p:clrMapOvr>
+    <a:masterClrMapping/>
+  </p:clrMapOvr>
+  <mc:AlternateContent xmlns:mc="http://schemas.openxmlformats.org/markup-compatibility/2006">
+    <mc:Choice xmlns:p15="http://schemas.microsoft.com/office/powerpoint/2012/main" Requires="p15">
+      <p:transition xmlns:p14="http://schemas.microsoft.com/office/powerpoint/2010/main" spd="slow" p14:dur="2000">
+        <p15:prstTrans prst="fallOver"/>
+      </p:transition>
+    </mc:Choice>
+    <mc:Fallback>
+      <p:transition spd="slow">
+        <p:fade/>
+      </p:transition>
+    </mc:Fallback>
+  </mc:AlternateContent>
+</p:sld>
+</file>
+
+<file path=ppt/slides/slide9.xml><?xml version="1.0" encoding="utf-8"?>
+<p:sld xmlns:a="http://schemas.openxmlformats.org/drawingml/2006/main" xmlns:r="http://schemas.openxmlformats.org/officeDocument/2006/relationships" xmlns:p="http://schemas.openxmlformats.org/presentationml/2006/main">
+  <p:cSld>
+    <p:spTree>
+      <p:nvGrpSpPr>
+        <p:cNvPr id="1" name=""/>
+        <p:cNvGrpSpPr/>
+        <p:nvPr/>
+      </p:nvGrpSpPr>
+      <p:grpSpPr>
+        <a:xfrm>
+          <a:off x="0" y="0"/>
+          <a:ext cx="0" cy="0"/>
+          <a:chOff x="0" y="0"/>
+          <a:chExt cx="0" cy="0"/>
+        </a:xfrm>
+      </p:grpSpPr>
+      <p:sp>
+        <p:nvSpPr>
+          <p:cNvPr id="2" name="Title 1">
+            <a:extLst>
+              <a:ext uri="{FF2B5EF4-FFF2-40B4-BE49-F238E27FC236}">
+                <a16:creationId xmlns:a16="http://schemas.microsoft.com/office/drawing/2014/main" id="{BCCC19A5-1D78-4ACB-A534-DEDD6F985518}"/>
+              </a:ext>
+            </a:extLst>
+          </p:cNvPr>
+          <p:cNvSpPr>
+            <a:spLocks noGrp="1"/>
+          </p:cNvSpPr>
+          <p:nvPr>
+            <p:ph type="title"/>
+          </p:nvPr>
+        </p:nvSpPr>
+        <p:spPr/>
+        <p:txBody>
+          <a:bodyPr/>
+          <a:lstStyle/>
+          <a:p>
+            <a:r>
+              <a:rPr lang="en-US" b="1" dirty="0">
+                <a:solidFill>
+                  <a:srgbClr val="FF0000"/>
+                </a:solidFill>
+                <a:latin typeface="Times New Roman" panose="02020603050405020304" pitchFamily="18" charset="0"/>
+                <a:cs typeface="Times New Roman" panose="02020603050405020304" pitchFamily="18" charset="0"/>
+              </a:rPr>
               <a:t>REACT LÀ GÌ ?</a:t>
             </a:r>
             <a:endParaRPr lang="vi-VN" b="1" dirty="0">
@@ -13793,14 +14028,16 @@
             </a:pPr>
             <a:r>
               <a:rPr lang="vi-VN" sz="3000" dirty="0">
-                <a:effectLst/>
                 <a:latin typeface="+mj-lt"/>
-                <a:ea typeface="Calibri" panose="020F0502020204030204" pitchFamily="34" charset="0"/>
-              </a:rPr>
-              <a:t>Một trong những điểm hấp dẫn của React là thư viện này không chỉ hoạt động trên phía client, mà còn được render trên server và có thể kết nối với nhau. React so sánh sự thay đổi giữa các giá trị của lần render này với lần render trước và cập nhật ít thay đổi nhất trên DOM.</a:t>
+                <a:ea typeface="Times New Roman" panose="02020603050405020304" pitchFamily="18" charset="0"/>
+                <a:cs typeface="Times New Roman" panose="02020603050405020304" pitchFamily="18" charset="0"/>
+              </a:rPr>
+              <a:t>Mục đích để giúp những người lập trình thiết kế nhanh website một cách nhanh chóng</a:t>
             </a:r>
             <a:endParaRPr lang="vi-VN" sz="3000" dirty="0">
+              <a:effectLst/>
               <a:latin typeface="+mj-lt"/>
+              <a:ea typeface="Times New Roman" panose="02020603050405020304" pitchFamily="18" charset="0"/>
               <a:cs typeface="Times New Roman" panose="02020603050405020304" pitchFamily="18" charset="0"/>
             </a:endParaRPr>
           </a:p>
@@ -14083,372 +14320,6 @@
                                           <p:spTgt spid="3">
                                             <p:txEl>
                                               <p:pRg st="1" end="1"/>
-                                            </p:txEl>
-                                          </p:spTgt>
-                                        </p:tgtEl>
-                                      </p:cBhvr>
-                                    </p:animEffect>
-                                  </p:childTnLst>
-                                </p:cTn>
-                              </p:par>
-                            </p:childTnLst>
-                          </p:cTn>
-                        </p:par>
-                      </p:childTnLst>
-                    </p:cTn>
-                  </p:par>
-                </p:childTnLst>
-              </p:cTn>
-              <p:prevCondLst>
-                <p:cond evt="onPrev" delay="0">
-                  <p:tgtEl>
-                    <p:sldTgt/>
-                  </p:tgtEl>
-                </p:cond>
-              </p:prevCondLst>
-              <p:nextCondLst>
-                <p:cond evt="onNext" delay="0">
-                  <p:tgtEl>
-                    <p:sldTgt/>
-                  </p:tgtEl>
-                </p:cond>
-              </p:nextCondLst>
-            </p:seq>
-          </p:childTnLst>
-        </p:cTn>
-      </p:par>
-    </p:tnLst>
-    <p:bldLst>
-      <p:bldP spid="3" grpId="0" build="p"/>
-    </p:bldLst>
-  </p:timing>
-</p:sld>
-</file>
-
-<file path=ppt/slides/slide9.xml><?xml version="1.0" encoding="utf-8"?>
-<p:sld xmlns:a="http://schemas.openxmlformats.org/drawingml/2006/main" xmlns:r="http://schemas.openxmlformats.org/officeDocument/2006/relationships" xmlns:p="http://schemas.openxmlformats.org/presentationml/2006/main">
-  <p:cSld>
-    <p:spTree>
-      <p:nvGrpSpPr>
-        <p:cNvPr id="1" name=""/>
-        <p:cNvGrpSpPr/>
-        <p:nvPr/>
-      </p:nvGrpSpPr>
-      <p:grpSpPr>
-        <a:xfrm>
-          <a:off x="0" y="0"/>
-          <a:ext cx="0" cy="0"/>
-          <a:chOff x="0" y="0"/>
-          <a:chExt cx="0" cy="0"/>
-        </a:xfrm>
-      </p:grpSpPr>
-      <p:sp>
-        <p:nvSpPr>
-          <p:cNvPr id="2" name="Title 1">
-            <a:extLst>
-              <a:ext uri="{FF2B5EF4-FFF2-40B4-BE49-F238E27FC236}">
-                <a16:creationId xmlns:a16="http://schemas.microsoft.com/office/drawing/2014/main" id="{BCCC19A5-1D78-4ACB-A534-DEDD6F985518}"/>
-              </a:ext>
-            </a:extLst>
-          </p:cNvPr>
-          <p:cNvSpPr>
-            <a:spLocks noGrp="1"/>
-          </p:cNvSpPr>
-          <p:nvPr>
-            <p:ph type="title"/>
-          </p:nvPr>
-        </p:nvSpPr>
-        <p:spPr/>
-        <p:txBody>
-          <a:bodyPr/>
-          <a:lstStyle/>
-          <a:p>
-            <a:r>
-              <a:rPr lang="en-US" b="1" dirty="0">
-                <a:solidFill>
-                  <a:srgbClr val="FF0000"/>
-                </a:solidFill>
-                <a:latin typeface="Times New Roman" panose="02020603050405020304" pitchFamily="18" charset="0"/>
-                <a:cs typeface="Times New Roman" panose="02020603050405020304" pitchFamily="18" charset="0"/>
-              </a:rPr>
-              <a:t>LUMEN FRAMEWORD LÀ GÌ?</a:t>
-            </a:r>
-            <a:endParaRPr lang="vi-VN" b="1" dirty="0">
-              <a:solidFill>
-                <a:srgbClr val="FF0000"/>
-              </a:solidFill>
-              <a:latin typeface="Times New Roman" panose="02020603050405020304" pitchFamily="18" charset="0"/>
-              <a:cs typeface="Times New Roman" panose="02020603050405020304" pitchFamily="18" charset="0"/>
-            </a:endParaRPr>
-          </a:p>
-        </p:txBody>
-      </p:sp>
-      <p:sp>
-        <p:nvSpPr>
-          <p:cNvPr id="3" name="Content Placeholder 2">
-            <a:extLst>
-              <a:ext uri="{FF2B5EF4-FFF2-40B4-BE49-F238E27FC236}">
-                <a16:creationId xmlns:a16="http://schemas.microsoft.com/office/drawing/2014/main" id="{0D44B3C0-8EBB-4D16-83CC-837663D0A692}"/>
-              </a:ext>
-            </a:extLst>
-          </p:cNvPr>
-          <p:cNvSpPr>
-            <a:spLocks noGrp="1"/>
-          </p:cNvSpPr>
-          <p:nvPr>
-            <p:ph idx="1"/>
-          </p:nvPr>
-        </p:nvSpPr>
-        <p:spPr/>
-        <p:txBody>
-          <a:bodyPr>
-            <a:noAutofit/>
-          </a:bodyPr>
-          <a:lstStyle/>
-          <a:p>
-            <a:pPr marL="342900" lvl="0" indent="-342900" algn="just">
-              <a:spcBef>
-                <a:spcPts val="600"/>
-              </a:spcBef>
-              <a:spcAft>
-                <a:spcPts val="600"/>
-              </a:spcAft>
-              <a:buFont typeface="Times New Roman" panose="02020603050405020304" pitchFamily="18" charset="0"/>
-              <a:buChar char="-"/>
-            </a:pPr>
-            <a:r>
-              <a:rPr lang="vi-VN" sz="3000" dirty="0">
-                <a:effectLst/>
-                <a:latin typeface="Times New Roman" panose="02020603050405020304" pitchFamily="18" charset="0"/>
-                <a:ea typeface="Calibri" panose="020F0502020204030204" pitchFamily="34" charset="0"/>
-              </a:rPr>
-              <a:t>Lumen là một framework PHP được phát triển bởi cha đẻ của Laravel – Taylor Otwell. Theo tác giả , Lumen không có ý định thay thế Laravel. Trên thực tế Lumen được tạo ra để làm hệ thống microservices – một hệ thống nhỏ hơn để hỗ trợ các hệ thống lớn như Laravel</a:t>
-            </a:r>
-            <a:endParaRPr lang="vi-VN" sz="3000" dirty="0">
-              <a:effectLst/>
-              <a:latin typeface="+mj-lt"/>
-              <a:ea typeface="Times New Roman" panose="02020603050405020304" pitchFamily="18" charset="0"/>
-              <a:cs typeface="Times New Roman" panose="02020603050405020304" pitchFamily="18" charset="0"/>
-            </a:endParaRPr>
-          </a:p>
-        </p:txBody>
-      </p:sp>
-      <p:sp>
-        <p:nvSpPr>
-          <p:cNvPr id="4" name="Title 1">
-            <a:extLst>
-              <a:ext uri="{FF2B5EF4-FFF2-40B4-BE49-F238E27FC236}">
-                <a16:creationId xmlns:a16="http://schemas.microsoft.com/office/drawing/2014/main" id="{53134A43-2150-4166-807D-9B978F6C0EAE}"/>
-              </a:ext>
-            </a:extLst>
-          </p:cNvPr>
-          <p:cNvSpPr txBox="1">
-            <a:spLocks/>
-          </p:cNvSpPr>
-          <p:nvPr/>
-        </p:nvSpPr>
-        <p:spPr>
-          <a:xfrm>
-            <a:off x="152401" y="6212116"/>
-            <a:ext cx="11923486" cy="514438"/>
-          </a:xfrm>
-          <a:prstGeom prst="rect">
-            <a:avLst/>
-          </a:prstGeom>
-        </p:spPr>
-        <p:txBody>
-          <a:bodyPr vert="horz" lIns="91440" tIns="45720" rIns="91440" bIns="45720" rtlCol="0" anchor="b">
-            <a:normAutofit fontScale="90000"/>
-          </a:bodyPr>
-          <a:lstStyle>
-            <a:lvl1pPr algn="ctr" defTabSz="914400" rtl="0" eaLnBrk="1" latinLnBrk="0" hangingPunct="1">
-              <a:lnSpc>
-                <a:spcPct val="90000"/>
-              </a:lnSpc>
-              <a:spcBef>
-                <a:spcPct val="0"/>
-              </a:spcBef>
-              <a:buNone/>
-              <a:defRPr sz="6000" kern="1200">
-                <a:solidFill>
-                  <a:schemeClr val="tx1"/>
-                </a:solidFill>
-                <a:latin typeface="+mj-lt"/>
-                <a:ea typeface="+mj-ea"/>
-                <a:cs typeface="+mj-cs"/>
-              </a:defRPr>
-            </a:lvl1pPr>
-          </a:lstStyle>
-          <a:p>
-            <a:pPr algn="just">
-              <a:lnSpc>
-                <a:spcPct val="100000"/>
-              </a:lnSpc>
-            </a:pPr>
-            <a:r>
-              <a:rPr lang="en-US" sz="1800" b="1" i="1" dirty="0" err="1">
-                <a:latin typeface="Times New Roman" panose="02020603050405020304" pitchFamily="18" charset="0"/>
-                <a:cs typeface="Times New Roman" panose="02020603050405020304" pitchFamily="18" charset="0"/>
-              </a:rPr>
-              <a:t>Khoá</a:t>
-            </a:r>
-            <a:r>
-              <a:rPr lang="en-US" sz="1800" b="1" i="1" dirty="0">
-                <a:latin typeface="Times New Roman" panose="02020603050405020304" pitchFamily="18" charset="0"/>
-                <a:cs typeface="Times New Roman" panose="02020603050405020304" pitchFamily="18" charset="0"/>
-              </a:rPr>
-              <a:t> </a:t>
-            </a:r>
-            <a:r>
-              <a:rPr lang="en-US" sz="1800" b="1" i="1" dirty="0" err="1">
-                <a:latin typeface="Times New Roman" panose="02020603050405020304" pitchFamily="18" charset="0"/>
-                <a:cs typeface="Times New Roman" panose="02020603050405020304" pitchFamily="18" charset="0"/>
-              </a:rPr>
-              <a:t>luận</a:t>
-            </a:r>
-            <a:r>
-              <a:rPr lang="en-US" sz="1800" b="1" i="1" dirty="0">
-                <a:latin typeface="Times New Roman" panose="02020603050405020304" pitchFamily="18" charset="0"/>
-                <a:cs typeface="Times New Roman" panose="02020603050405020304" pitchFamily="18" charset="0"/>
-              </a:rPr>
-              <a:t> </a:t>
-            </a:r>
-            <a:r>
-              <a:rPr lang="en-US" sz="1800" b="1" i="1" dirty="0" err="1">
-                <a:latin typeface="Times New Roman" panose="02020603050405020304" pitchFamily="18" charset="0"/>
-                <a:cs typeface="Times New Roman" panose="02020603050405020304" pitchFamily="18" charset="0"/>
-              </a:rPr>
-              <a:t>tốt</a:t>
-            </a:r>
-            <a:r>
-              <a:rPr lang="en-US" sz="1800" b="1" i="1" dirty="0">
-                <a:latin typeface="Times New Roman" panose="02020603050405020304" pitchFamily="18" charset="0"/>
-                <a:cs typeface="Times New Roman" panose="02020603050405020304" pitchFamily="18" charset="0"/>
-              </a:rPr>
-              <a:t> </a:t>
-            </a:r>
-            <a:r>
-              <a:rPr lang="en-US" sz="1800" b="1" i="1" dirty="0" err="1">
-                <a:latin typeface="Times New Roman" panose="02020603050405020304" pitchFamily="18" charset="0"/>
-                <a:cs typeface="Times New Roman" panose="02020603050405020304" pitchFamily="18" charset="0"/>
-              </a:rPr>
-              <a:t>nghiệp</a:t>
-            </a:r>
-            <a:r>
-              <a:rPr lang="en-US" sz="1800" b="1" i="1" dirty="0">
-                <a:latin typeface="Times New Roman" panose="02020603050405020304" pitchFamily="18" charset="0"/>
-                <a:cs typeface="Times New Roman" panose="02020603050405020304" pitchFamily="18" charset="0"/>
-              </a:rPr>
-              <a:t> 								TP.HCM, </a:t>
-            </a:r>
-            <a:r>
-              <a:rPr lang="en-US" sz="1800" b="1" i="1" dirty="0" err="1">
-                <a:latin typeface="Times New Roman" panose="02020603050405020304" pitchFamily="18" charset="0"/>
-                <a:cs typeface="Times New Roman" panose="02020603050405020304" pitchFamily="18" charset="0"/>
-              </a:rPr>
-              <a:t>tháng</a:t>
-            </a:r>
-            <a:r>
-              <a:rPr lang="en-US" sz="1800" b="1" i="1" dirty="0">
-                <a:latin typeface="Times New Roman" panose="02020603050405020304" pitchFamily="18" charset="0"/>
-                <a:cs typeface="Times New Roman" panose="02020603050405020304" pitchFamily="18" charset="0"/>
-              </a:rPr>
-              <a:t> 01 </a:t>
-            </a:r>
-            <a:r>
-              <a:rPr lang="en-US" sz="1800" b="1" i="1" dirty="0" err="1">
-                <a:latin typeface="Times New Roman" panose="02020603050405020304" pitchFamily="18" charset="0"/>
-                <a:cs typeface="Times New Roman" panose="02020603050405020304" pitchFamily="18" charset="0"/>
-              </a:rPr>
-              <a:t>năm</a:t>
-            </a:r>
-            <a:r>
-              <a:rPr lang="en-US" sz="1800" b="1" i="1" dirty="0">
-                <a:latin typeface="Times New Roman" panose="02020603050405020304" pitchFamily="18" charset="0"/>
-                <a:cs typeface="Times New Roman" panose="02020603050405020304" pitchFamily="18" charset="0"/>
-              </a:rPr>
-              <a:t> 2022</a:t>
-            </a:r>
-          </a:p>
-        </p:txBody>
-      </p:sp>
-    </p:spTree>
-    <p:extLst>
-      <p:ext uri="{BB962C8B-B14F-4D97-AF65-F5344CB8AC3E}">
-        <p14:creationId xmlns:p14="http://schemas.microsoft.com/office/powerpoint/2010/main" val="4111909814"/>
-      </p:ext>
-    </p:extLst>
-  </p:cSld>
-  <p:clrMapOvr>
-    <a:masterClrMapping/>
-  </p:clrMapOvr>
-  <mc:AlternateContent xmlns:mc="http://schemas.openxmlformats.org/markup-compatibility/2006" xmlns:p15="http://schemas.microsoft.com/office/powerpoint/2012/main">
-    <mc:Choice Requires="p15">
-      <p:transition xmlns:p14="http://schemas.microsoft.com/office/powerpoint/2010/main" spd="slow" p14:dur="2000">
-        <p15:prstTrans prst="drape"/>
-      </p:transition>
-    </mc:Choice>
-    <mc:Fallback xmlns="">
-      <p:transition spd="slow">
-        <p:fade/>
-      </p:transition>
-    </mc:Fallback>
-  </mc:AlternateContent>
-  <p:timing>
-    <p:tnLst>
-      <p:par>
-        <p:cTn id="1" dur="indefinite" restart="never" nodeType="tmRoot">
-          <p:childTnLst>
-            <p:seq concurrent="1" nextAc="seek">
-              <p:cTn id="2" dur="indefinite" nodeType="mainSeq">
-                <p:childTnLst>
-                  <p:par>
-                    <p:cTn id="3" fill="hold">
-                      <p:stCondLst>
-                        <p:cond delay="indefinite"/>
-                      </p:stCondLst>
-                      <p:childTnLst>
-                        <p:par>
-                          <p:cTn id="4" fill="hold">
-                            <p:stCondLst>
-                              <p:cond delay="0"/>
-                            </p:stCondLst>
-                            <p:childTnLst>
-                              <p:par>
-                                <p:cTn id="5" presetID="10" presetClass="entr" presetSubtype="0" fill="hold" grpId="0" nodeType="clickEffect">
-                                  <p:stCondLst>
-                                    <p:cond delay="0"/>
-                                  </p:stCondLst>
-                                  <p:childTnLst>
-                                    <p:set>
-                                      <p:cBhvr>
-                                        <p:cTn id="6" dur="1" fill="hold">
-                                          <p:stCondLst>
-                                            <p:cond delay="0"/>
-                                          </p:stCondLst>
-                                        </p:cTn>
-                                        <p:tgtEl>
-                                          <p:spTgt spid="3">
-                                            <p:txEl>
-                                              <p:pRg st="0" end="0"/>
-                                            </p:txEl>
-                                          </p:spTgt>
-                                        </p:tgtEl>
-                                        <p:attrNameLst>
-                                          <p:attrName>style.visibility</p:attrName>
-                                        </p:attrNameLst>
-                                      </p:cBhvr>
-                                      <p:to>
-                                        <p:strVal val="visible"/>
-                                      </p:to>
-                                    </p:set>
-                                    <p:animEffect transition="in" filter="fade">
-                                      <p:cBhvr>
-                                        <p:cTn id="7" dur="500"/>
-                                        <p:tgtEl>
-                                          <p:spTgt spid="3">
-                                            <p:txEl>
-                                              <p:pRg st="0" end="0"/>
                                             </p:txEl>
                                           </p:spTgt>
                                         </p:tgtEl>
